--- a/论文答辩PPT.pptx
+++ b/论文答辩PPT.pptx
@@ -111,6 +111,22 @@
       </a:defRPr>
     </a:lvl9pPr>
   </p:defaultTextStyle>
+  <p:extLst>
+    <p:ext uri="{EFAFB233-063F-42B5-8137-9DF3F51BA10A}">
+      <p15:sldGuideLst xmlns:p15="http://schemas.microsoft.com/office/powerpoint/2012/main">
+        <p15:guide id="1" orient="horz" pos="2160">
+          <p15:clr>
+            <a:srgbClr val="A4A3A4"/>
+          </p15:clr>
+        </p15:guide>
+        <p15:guide id="2" pos="2880">
+          <p15:clr>
+            <a:srgbClr val="A4A3A4"/>
+          </p15:clr>
+        </p15:guide>
+      </p15:sldGuideLst>
+    </p:ext>
+  </p:extLst>
 </p:presentation>
 </file>
 
@@ -4577,7 +4593,7 @@
         </p:nvSpPr>
         <p:spPr>
           <a:xfrm>
-            <a:off x="506899" y="2060848"/>
+            <a:off x="467544" y="1772816"/>
             <a:ext cx="3633053" cy="4320480"/>
           </a:xfrm>
           <a:prstGeom prst="roundRect">
@@ -4816,7 +4832,7 @@
         </p:blipFill>
         <p:spPr bwMode="auto">
           <a:xfrm>
-            <a:off x="1644676" y="4213820"/>
+            <a:off x="1605321" y="3925788"/>
             <a:ext cx="2095500" cy="2095500"/>
           </a:xfrm>
           <a:prstGeom prst="rect">
@@ -4842,7 +4858,7 @@
         </p:nvSpPr>
         <p:spPr>
           <a:xfrm>
-            <a:off x="1026630" y="3021170"/>
+            <a:off x="987275" y="2733138"/>
             <a:ext cx="792088" cy="576064"/>
           </a:xfrm>
           <a:prstGeom prst="ellipse">
@@ -4900,7 +4916,7 @@
         </p:nvSpPr>
         <p:spPr>
           <a:xfrm>
-            <a:off x="2424214" y="2519030"/>
+            <a:off x="2384859" y="2230998"/>
             <a:ext cx="792088" cy="576064"/>
           </a:xfrm>
           <a:prstGeom prst="ellipse">
@@ -4958,7 +4974,7 @@
         </p:nvSpPr>
         <p:spPr>
           <a:xfrm>
-            <a:off x="1422674" y="2269604"/>
+            <a:off x="1383319" y="1981572"/>
             <a:ext cx="792088" cy="576064"/>
           </a:xfrm>
           <a:prstGeom prst="ellipse">
@@ -5016,7 +5032,7 @@
         </p:nvSpPr>
         <p:spPr>
           <a:xfrm>
-            <a:off x="1254848" y="3805358"/>
+            <a:off x="1215493" y="3517326"/>
             <a:ext cx="792088" cy="576064"/>
           </a:xfrm>
           <a:prstGeom prst="ellipse">
@@ -5058,11 +5074,6 @@
               </a:rPr>
               <a:t>还</a:t>
             </a:r>
-            <a:endParaRPr lang="zh-CN" altLang="en-US" sz="2400" dirty="0">
-              <a:solidFill>
-                <a:schemeClr val="tx1"/>
-              </a:solidFill>
-            </a:endParaRPr>
           </a:p>
         </p:txBody>
       </p:sp>
@@ -5074,7 +5085,7 @@
         </p:nvSpPr>
         <p:spPr>
           <a:xfrm>
-            <a:off x="2987824" y="3115481"/>
+            <a:off x="2948469" y="2827449"/>
             <a:ext cx="792088" cy="576064"/>
           </a:xfrm>
           <a:prstGeom prst="ellipse">
@@ -5132,7 +5143,7 @@
         </p:nvSpPr>
         <p:spPr>
           <a:xfrm>
-            <a:off x="2028170" y="3342456"/>
+            <a:off x="1988815" y="3054424"/>
             <a:ext cx="792088" cy="576064"/>
           </a:xfrm>
           <a:prstGeom prst="ellipse">
@@ -5190,7 +5201,7 @@
         </p:nvSpPr>
         <p:spPr>
           <a:xfrm>
-            <a:off x="2820258" y="3997231"/>
+            <a:off x="2780903" y="3709199"/>
             <a:ext cx="792088" cy="576064"/>
           </a:xfrm>
           <a:prstGeom prst="ellipse">
@@ -5232,11 +5243,6 @@
               </a:rPr>
               <a:t>转</a:t>
             </a:r>
-            <a:endParaRPr lang="zh-CN" altLang="en-US" sz="2400" dirty="0">
-              <a:solidFill>
-                <a:schemeClr val="tx1"/>
-              </a:solidFill>
-            </a:endParaRPr>
           </a:p>
         </p:txBody>
       </p:sp>
@@ -5248,7 +5254,7 @@
         </p:nvSpPr>
         <p:spPr>
           <a:xfrm>
-            <a:off x="1788692" y="4636576"/>
+            <a:off x="1749337" y="4348544"/>
             <a:ext cx="516488" cy="369332"/>
           </a:xfrm>
           <a:prstGeom prst="rect">
@@ -5419,7 +5425,7 @@
         </p:blipFill>
         <p:spPr bwMode="auto">
           <a:xfrm>
-            <a:off x="5148064" y="3654942"/>
+            <a:off x="5076056" y="3342456"/>
             <a:ext cx="1296144" cy="1296144"/>
           </a:xfrm>
           <a:prstGeom prst="rect">
@@ -5445,7 +5451,7 @@
         </p:nvSpPr>
         <p:spPr>
           <a:xfrm>
-            <a:off x="4363455" y="3997231"/>
+            <a:off x="4324100" y="3709199"/>
             <a:ext cx="648072" cy="576064"/>
           </a:xfrm>
           <a:prstGeom prst="rightArrow">
@@ -5491,7 +5497,7 @@
         </p:nvSpPr>
         <p:spPr>
           <a:xfrm>
-            <a:off x="747732" y="4646984"/>
+            <a:off x="708377" y="4358952"/>
             <a:ext cx="1155762" cy="576064"/>
           </a:xfrm>
           <a:prstGeom prst="ellipse">
@@ -5533,11 +5539,342 @@
               </a:rPr>
               <a:t>报废</a:t>
             </a:r>
-            <a:endParaRPr lang="zh-CN" altLang="en-US" sz="2400" dirty="0">
+          </a:p>
+        </p:txBody>
+      </p:sp>
+      <p:sp>
+        <p:nvSpPr>
+          <p:cNvPr id="23" name="圆角矩形 22"/>
+          <p:cNvSpPr/>
+          <p:nvPr/>
+        </p:nvSpPr>
+        <p:spPr>
+          <a:xfrm>
+            <a:off x="6772543" y="5365178"/>
+            <a:ext cx="1957494" cy="576064"/>
+          </a:xfrm>
+          <a:prstGeom prst="roundRect">
+            <a:avLst/>
+          </a:prstGeom>
+          <a:noFill/>
+          <a:ln>
+            <a:solidFill>
+              <a:srgbClr val="AB8B72"/>
+            </a:solidFill>
+          </a:ln>
+        </p:spPr>
+        <p:style>
+          <a:lnRef idx="2">
+            <a:schemeClr val="accent1">
+              <a:shade val="50000"/>
+            </a:schemeClr>
+          </a:lnRef>
+          <a:fillRef idx="1">
+            <a:schemeClr val="accent1"/>
+          </a:fillRef>
+          <a:effectRef idx="0">
+            <a:schemeClr val="accent1"/>
+          </a:effectRef>
+          <a:fontRef idx="minor">
+            <a:schemeClr val="lt1"/>
+          </a:fontRef>
+        </p:style>
+        <p:txBody>
+          <a:bodyPr rtlCol="0" anchor="ctr"/>
+          <a:lstStyle/>
+          <a:p>
+            <a:pPr algn="ctr"/>
+            <a:r>
+              <a:rPr lang="zh-CN" altLang="en-US" dirty="0" smtClean="0">
+                <a:solidFill>
+                  <a:schemeClr val="tx1"/>
+                </a:solidFill>
+              </a:rPr>
+              <a:t>同步更新难</a:t>
+            </a:r>
+            <a:endParaRPr lang="zh-CN" altLang="en-US" dirty="0">
               <a:solidFill>
                 <a:schemeClr val="tx1"/>
               </a:solidFill>
             </a:endParaRPr>
+          </a:p>
+        </p:txBody>
+      </p:sp>
+      <p:sp>
+        <p:nvSpPr>
+          <p:cNvPr id="26" name="圆角矩形 25"/>
+          <p:cNvSpPr/>
+          <p:nvPr/>
+        </p:nvSpPr>
+        <p:spPr>
+          <a:xfrm>
+            <a:off x="6772542" y="2224683"/>
+            <a:ext cx="1957495" cy="576064"/>
+          </a:xfrm>
+          <a:prstGeom prst="roundRect">
+            <a:avLst/>
+          </a:prstGeom>
+          <a:noFill/>
+          <a:ln>
+            <a:solidFill>
+              <a:srgbClr val="AB8B72"/>
+            </a:solidFill>
+          </a:ln>
+        </p:spPr>
+        <p:style>
+          <a:lnRef idx="2">
+            <a:schemeClr val="accent1">
+              <a:shade val="50000"/>
+            </a:schemeClr>
+          </a:lnRef>
+          <a:fillRef idx="1">
+            <a:schemeClr val="accent1"/>
+          </a:fillRef>
+          <a:effectRef idx="0">
+            <a:schemeClr val="accent1"/>
+          </a:effectRef>
+          <a:fontRef idx="minor">
+            <a:schemeClr val="lt1"/>
+          </a:fontRef>
+        </p:style>
+        <p:txBody>
+          <a:bodyPr rtlCol="0" anchor="ctr"/>
+          <a:lstStyle/>
+          <a:p>
+            <a:pPr algn="ctr"/>
+            <a:r>
+              <a:rPr lang="zh-CN" altLang="en-US" dirty="0" smtClean="0">
+                <a:solidFill>
+                  <a:schemeClr val="tx1"/>
+                </a:solidFill>
+              </a:rPr>
+              <a:t>易出错</a:t>
+            </a:r>
+            <a:endParaRPr lang="zh-CN" altLang="en-US" dirty="0">
+              <a:solidFill>
+                <a:schemeClr val="tx1"/>
+              </a:solidFill>
+            </a:endParaRPr>
+          </a:p>
+        </p:txBody>
+      </p:sp>
+      <p:sp>
+        <p:nvSpPr>
+          <p:cNvPr id="27" name="圆角矩形 26"/>
+          <p:cNvSpPr/>
+          <p:nvPr/>
+        </p:nvSpPr>
+        <p:spPr>
+          <a:xfrm>
+            <a:off x="6764893" y="3798088"/>
+            <a:ext cx="1965144" cy="576064"/>
+          </a:xfrm>
+          <a:prstGeom prst="roundRect">
+            <a:avLst/>
+          </a:prstGeom>
+          <a:noFill/>
+          <a:ln>
+            <a:solidFill>
+              <a:srgbClr val="AB8B72"/>
+            </a:solidFill>
+          </a:ln>
+        </p:spPr>
+        <p:style>
+          <a:lnRef idx="2">
+            <a:schemeClr val="accent1">
+              <a:shade val="50000"/>
+            </a:schemeClr>
+          </a:lnRef>
+          <a:fillRef idx="1">
+            <a:schemeClr val="accent1"/>
+          </a:fillRef>
+          <a:effectRef idx="0">
+            <a:schemeClr val="accent1"/>
+          </a:effectRef>
+          <a:fontRef idx="minor">
+            <a:schemeClr val="lt1"/>
+          </a:fontRef>
+        </p:style>
+        <p:txBody>
+          <a:bodyPr rtlCol="0" anchor="ctr"/>
+          <a:lstStyle/>
+          <a:p>
+            <a:pPr algn="ctr"/>
+            <a:r>
+              <a:rPr lang="zh-CN" altLang="en-US" dirty="0" smtClean="0">
+                <a:solidFill>
+                  <a:schemeClr val="tx1"/>
+                </a:solidFill>
+              </a:rPr>
+              <a:t>操作权限难保证</a:t>
+            </a:r>
+            <a:endParaRPr lang="zh-CN" altLang="en-US" dirty="0">
+              <a:solidFill>
+                <a:schemeClr val="tx1"/>
+              </a:solidFill>
+            </a:endParaRPr>
+          </a:p>
+        </p:txBody>
+      </p:sp>
+      <p:sp>
+        <p:nvSpPr>
+          <p:cNvPr id="30" name="圆角矩形 29"/>
+          <p:cNvSpPr/>
+          <p:nvPr/>
+        </p:nvSpPr>
+        <p:spPr>
+          <a:xfrm>
+            <a:off x="6772543" y="3018420"/>
+            <a:ext cx="1957494" cy="576064"/>
+          </a:xfrm>
+          <a:prstGeom prst="roundRect">
+            <a:avLst/>
+          </a:prstGeom>
+          <a:noFill/>
+          <a:ln>
+            <a:solidFill>
+              <a:srgbClr val="AB8B72"/>
+            </a:solidFill>
+          </a:ln>
+        </p:spPr>
+        <p:style>
+          <a:lnRef idx="2">
+            <a:schemeClr val="accent1">
+              <a:shade val="50000"/>
+            </a:schemeClr>
+          </a:lnRef>
+          <a:fillRef idx="1">
+            <a:schemeClr val="accent1"/>
+          </a:fillRef>
+          <a:effectRef idx="0">
+            <a:schemeClr val="accent1"/>
+          </a:effectRef>
+          <a:fontRef idx="minor">
+            <a:schemeClr val="lt1"/>
+          </a:fontRef>
+        </p:style>
+        <p:txBody>
+          <a:bodyPr rtlCol="0" anchor="ctr"/>
+          <a:lstStyle/>
+          <a:p>
+            <a:pPr algn="ctr"/>
+            <a:r>
+              <a:rPr lang="zh-CN" altLang="en-US">
+                <a:solidFill>
+                  <a:schemeClr val="tx1"/>
+                </a:solidFill>
+              </a:rPr>
+              <a:t>易丢失</a:t>
+            </a:r>
+            <a:endParaRPr lang="zh-CN" altLang="en-US" dirty="0">
+              <a:solidFill>
+                <a:schemeClr val="tx1"/>
+              </a:solidFill>
+            </a:endParaRPr>
+          </a:p>
+        </p:txBody>
+      </p:sp>
+      <p:sp>
+        <p:nvSpPr>
+          <p:cNvPr id="31" name="圆角矩形 30"/>
+          <p:cNvSpPr/>
+          <p:nvPr/>
+        </p:nvSpPr>
+        <p:spPr>
+          <a:xfrm>
+            <a:off x="6764893" y="4565645"/>
+            <a:ext cx="1965144" cy="576064"/>
+          </a:xfrm>
+          <a:prstGeom prst="roundRect">
+            <a:avLst/>
+          </a:prstGeom>
+          <a:noFill/>
+          <a:ln>
+            <a:solidFill>
+              <a:srgbClr val="AB8B72"/>
+            </a:solidFill>
+          </a:ln>
+        </p:spPr>
+        <p:style>
+          <a:lnRef idx="2">
+            <a:schemeClr val="accent1">
+              <a:shade val="50000"/>
+            </a:schemeClr>
+          </a:lnRef>
+          <a:fillRef idx="1">
+            <a:schemeClr val="accent1"/>
+          </a:fillRef>
+          <a:effectRef idx="0">
+            <a:schemeClr val="accent1"/>
+          </a:effectRef>
+          <a:fontRef idx="minor">
+            <a:schemeClr val="lt1"/>
+          </a:fontRef>
+        </p:style>
+        <p:txBody>
+          <a:bodyPr rtlCol="0" anchor="ctr"/>
+          <a:lstStyle/>
+          <a:p>
+            <a:pPr algn="ctr"/>
+            <a:r>
+              <a:rPr lang="zh-CN" altLang="en-US" dirty="0" smtClean="0">
+                <a:solidFill>
+                  <a:schemeClr val="tx1"/>
+                </a:solidFill>
+              </a:rPr>
+              <a:t>不支持批量操作</a:t>
+            </a:r>
+            <a:endParaRPr lang="zh-CN" altLang="en-US" dirty="0">
+              <a:solidFill>
+                <a:schemeClr val="tx1"/>
+              </a:solidFill>
+            </a:endParaRPr>
+          </a:p>
+        </p:txBody>
+      </p:sp>
+      <p:sp>
+        <p:nvSpPr>
+          <p:cNvPr id="21" name="左大括号 20"/>
+          <p:cNvSpPr/>
+          <p:nvPr/>
+        </p:nvSpPr>
+        <p:spPr>
+          <a:xfrm>
+            <a:off x="6412502" y="2557636"/>
+            <a:ext cx="247730" cy="2887588"/>
+          </a:xfrm>
+          <a:prstGeom prst="leftBrace">
+            <a:avLst>
+              <a:gd name="adj1" fmla="val 8333"/>
+              <a:gd name="adj2" fmla="val 50931"/>
+            </a:avLst>
+          </a:prstGeom>
+          <a:ln w="19050">
+            <a:solidFill>
+              <a:srgbClr val="AB8B72"/>
+            </a:solidFill>
+          </a:ln>
+        </p:spPr>
+        <p:style>
+          <a:lnRef idx="1">
+            <a:schemeClr val="accent1"/>
+          </a:lnRef>
+          <a:fillRef idx="0">
+            <a:schemeClr val="accent1"/>
+          </a:fillRef>
+          <a:effectRef idx="0">
+            <a:schemeClr val="accent1"/>
+          </a:effectRef>
+          <a:fontRef idx="minor">
+            <a:schemeClr val="tx1"/>
+          </a:fontRef>
+        </p:style>
+        <p:txBody>
+          <a:bodyPr rtlCol="0" anchor="ctr"/>
+          <a:lstStyle/>
+          <a:p>
+            <a:pPr algn="ctr"/>
+            <a:endParaRPr lang="zh-CN" altLang="en-US"/>
           </a:p>
         </p:txBody>
       </p:sp>
@@ -6211,6 +6548,482 @@
                       </p:childTnLst>
                     </p:cTn>
                   </p:par>
+                  <p:par>
+                    <p:cTn id="62" fill="hold">
+                      <p:stCondLst>
+                        <p:cond delay="indefinite"/>
+                      </p:stCondLst>
+                      <p:childTnLst>
+                        <p:par>
+                          <p:cTn id="63" fill="hold">
+                            <p:stCondLst>
+                              <p:cond delay="0"/>
+                            </p:stCondLst>
+                            <p:childTnLst>
+                              <p:par>
+                                <p:cTn id="64" presetID="22" presetClass="entr" presetSubtype="8" fill="hold" grpId="0" nodeType="clickEffect">
+                                  <p:stCondLst>
+                                    <p:cond delay="0"/>
+                                  </p:stCondLst>
+                                  <p:childTnLst>
+                                    <p:set>
+                                      <p:cBhvr>
+                                        <p:cTn id="65" dur="1" fill="hold">
+                                          <p:stCondLst>
+                                            <p:cond delay="0"/>
+                                          </p:stCondLst>
+                                        </p:cTn>
+                                        <p:tgtEl>
+                                          <p:spTgt spid="21"/>
+                                        </p:tgtEl>
+                                        <p:attrNameLst>
+                                          <p:attrName>style.visibility</p:attrName>
+                                        </p:attrNameLst>
+                                      </p:cBhvr>
+                                      <p:to>
+                                        <p:strVal val="visible"/>
+                                      </p:to>
+                                    </p:set>
+                                    <p:animEffect transition="in" filter="wipe(left)">
+                                      <p:cBhvr>
+                                        <p:cTn id="66" dur="500"/>
+                                        <p:tgtEl>
+                                          <p:spTgt spid="21"/>
+                                        </p:tgtEl>
+                                      </p:cBhvr>
+                                    </p:animEffect>
+                                  </p:childTnLst>
+                                </p:cTn>
+                              </p:par>
+                            </p:childTnLst>
+                          </p:cTn>
+                        </p:par>
+                      </p:childTnLst>
+                    </p:cTn>
+                  </p:par>
+                  <p:par>
+                    <p:cTn id="67" fill="hold">
+                      <p:stCondLst>
+                        <p:cond delay="indefinite"/>
+                      </p:stCondLst>
+                      <p:childTnLst>
+                        <p:par>
+                          <p:cTn id="68" fill="hold">
+                            <p:stCondLst>
+                              <p:cond delay="0"/>
+                            </p:stCondLst>
+                            <p:childTnLst>
+                              <p:par>
+                                <p:cTn id="69" presetID="42" presetClass="entr" presetSubtype="0" fill="hold" grpId="0" nodeType="clickEffect">
+                                  <p:stCondLst>
+                                    <p:cond delay="0"/>
+                                  </p:stCondLst>
+                                  <p:childTnLst>
+                                    <p:set>
+                                      <p:cBhvr>
+                                        <p:cTn id="70" dur="1" fill="hold">
+                                          <p:stCondLst>
+                                            <p:cond delay="0"/>
+                                          </p:stCondLst>
+                                        </p:cTn>
+                                        <p:tgtEl>
+                                          <p:spTgt spid="26"/>
+                                        </p:tgtEl>
+                                        <p:attrNameLst>
+                                          <p:attrName>style.visibility</p:attrName>
+                                        </p:attrNameLst>
+                                      </p:cBhvr>
+                                      <p:to>
+                                        <p:strVal val="visible"/>
+                                      </p:to>
+                                    </p:set>
+                                    <p:animEffect transition="in" filter="fade">
+                                      <p:cBhvr>
+                                        <p:cTn id="71" dur="1000"/>
+                                        <p:tgtEl>
+                                          <p:spTgt spid="26"/>
+                                        </p:tgtEl>
+                                      </p:cBhvr>
+                                    </p:animEffect>
+                                    <p:anim calcmode="lin" valueType="num">
+                                      <p:cBhvr>
+                                        <p:cTn id="72" dur="1000" fill="hold"/>
+                                        <p:tgtEl>
+                                          <p:spTgt spid="26"/>
+                                        </p:tgtEl>
+                                        <p:attrNameLst>
+                                          <p:attrName>ppt_x</p:attrName>
+                                        </p:attrNameLst>
+                                      </p:cBhvr>
+                                      <p:tavLst>
+                                        <p:tav tm="0">
+                                          <p:val>
+                                            <p:strVal val="#ppt_x"/>
+                                          </p:val>
+                                        </p:tav>
+                                        <p:tav tm="100000">
+                                          <p:val>
+                                            <p:strVal val="#ppt_x"/>
+                                          </p:val>
+                                        </p:tav>
+                                      </p:tavLst>
+                                    </p:anim>
+                                    <p:anim calcmode="lin" valueType="num">
+                                      <p:cBhvr>
+                                        <p:cTn id="73" dur="1000" fill="hold"/>
+                                        <p:tgtEl>
+                                          <p:spTgt spid="26"/>
+                                        </p:tgtEl>
+                                        <p:attrNameLst>
+                                          <p:attrName>ppt_y</p:attrName>
+                                        </p:attrNameLst>
+                                      </p:cBhvr>
+                                      <p:tavLst>
+                                        <p:tav tm="0">
+                                          <p:val>
+                                            <p:strVal val="#ppt_y+.1"/>
+                                          </p:val>
+                                        </p:tav>
+                                        <p:tav tm="100000">
+                                          <p:val>
+                                            <p:strVal val="#ppt_y"/>
+                                          </p:val>
+                                        </p:tav>
+                                      </p:tavLst>
+                                    </p:anim>
+                                  </p:childTnLst>
+                                </p:cTn>
+                              </p:par>
+                              <p:par>
+                                <p:cTn id="74" presetID="42" presetClass="entr" presetSubtype="0" fill="hold" grpId="0" nodeType="withEffect">
+                                  <p:stCondLst>
+                                    <p:cond delay="0"/>
+                                  </p:stCondLst>
+                                  <p:childTnLst>
+                                    <p:set>
+                                      <p:cBhvr>
+                                        <p:cTn id="75" dur="1" fill="hold">
+                                          <p:stCondLst>
+                                            <p:cond delay="0"/>
+                                          </p:stCondLst>
+                                        </p:cTn>
+                                        <p:tgtEl>
+                                          <p:spTgt spid="30"/>
+                                        </p:tgtEl>
+                                        <p:attrNameLst>
+                                          <p:attrName>style.visibility</p:attrName>
+                                        </p:attrNameLst>
+                                      </p:cBhvr>
+                                      <p:to>
+                                        <p:strVal val="visible"/>
+                                      </p:to>
+                                    </p:set>
+                                    <p:animEffect transition="in" filter="fade">
+                                      <p:cBhvr>
+                                        <p:cTn id="76" dur="1000"/>
+                                        <p:tgtEl>
+                                          <p:spTgt spid="30"/>
+                                        </p:tgtEl>
+                                      </p:cBhvr>
+                                    </p:animEffect>
+                                    <p:anim calcmode="lin" valueType="num">
+                                      <p:cBhvr>
+                                        <p:cTn id="77" dur="1000" fill="hold"/>
+                                        <p:tgtEl>
+                                          <p:spTgt spid="30"/>
+                                        </p:tgtEl>
+                                        <p:attrNameLst>
+                                          <p:attrName>ppt_x</p:attrName>
+                                        </p:attrNameLst>
+                                      </p:cBhvr>
+                                      <p:tavLst>
+                                        <p:tav tm="0">
+                                          <p:val>
+                                            <p:strVal val="#ppt_x"/>
+                                          </p:val>
+                                        </p:tav>
+                                        <p:tav tm="100000">
+                                          <p:val>
+                                            <p:strVal val="#ppt_x"/>
+                                          </p:val>
+                                        </p:tav>
+                                      </p:tavLst>
+                                    </p:anim>
+                                    <p:anim calcmode="lin" valueType="num">
+                                      <p:cBhvr>
+                                        <p:cTn id="78" dur="1000" fill="hold"/>
+                                        <p:tgtEl>
+                                          <p:spTgt spid="30"/>
+                                        </p:tgtEl>
+                                        <p:attrNameLst>
+                                          <p:attrName>ppt_y</p:attrName>
+                                        </p:attrNameLst>
+                                      </p:cBhvr>
+                                      <p:tavLst>
+                                        <p:tav tm="0">
+                                          <p:val>
+                                            <p:strVal val="#ppt_y+.1"/>
+                                          </p:val>
+                                        </p:tav>
+                                        <p:tav tm="100000">
+                                          <p:val>
+                                            <p:strVal val="#ppt_y"/>
+                                          </p:val>
+                                        </p:tav>
+                                      </p:tavLst>
+                                    </p:anim>
+                                  </p:childTnLst>
+                                </p:cTn>
+                              </p:par>
+                              <p:par>
+                                <p:cTn id="79" presetID="42" presetClass="entr" presetSubtype="0" fill="hold" grpId="0" nodeType="withEffect">
+                                  <p:stCondLst>
+                                    <p:cond delay="0"/>
+                                  </p:stCondLst>
+                                  <p:childTnLst>
+                                    <p:set>
+                                      <p:cBhvr>
+                                        <p:cTn id="80" dur="1" fill="hold">
+                                          <p:stCondLst>
+                                            <p:cond delay="0"/>
+                                          </p:stCondLst>
+                                        </p:cTn>
+                                        <p:tgtEl>
+                                          <p:spTgt spid="27"/>
+                                        </p:tgtEl>
+                                        <p:attrNameLst>
+                                          <p:attrName>style.visibility</p:attrName>
+                                        </p:attrNameLst>
+                                      </p:cBhvr>
+                                      <p:to>
+                                        <p:strVal val="visible"/>
+                                      </p:to>
+                                    </p:set>
+                                    <p:animEffect transition="in" filter="fade">
+                                      <p:cBhvr>
+                                        <p:cTn id="81" dur="1000"/>
+                                        <p:tgtEl>
+                                          <p:spTgt spid="27"/>
+                                        </p:tgtEl>
+                                      </p:cBhvr>
+                                    </p:animEffect>
+                                    <p:anim calcmode="lin" valueType="num">
+                                      <p:cBhvr>
+                                        <p:cTn id="82" dur="1000" fill="hold"/>
+                                        <p:tgtEl>
+                                          <p:spTgt spid="27"/>
+                                        </p:tgtEl>
+                                        <p:attrNameLst>
+                                          <p:attrName>ppt_x</p:attrName>
+                                        </p:attrNameLst>
+                                      </p:cBhvr>
+                                      <p:tavLst>
+                                        <p:tav tm="0">
+                                          <p:val>
+                                            <p:strVal val="#ppt_x"/>
+                                          </p:val>
+                                        </p:tav>
+                                        <p:tav tm="100000">
+                                          <p:val>
+                                            <p:strVal val="#ppt_x"/>
+                                          </p:val>
+                                        </p:tav>
+                                      </p:tavLst>
+                                    </p:anim>
+                                    <p:anim calcmode="lin" valueType="num">
+                                      <p:cBhvr>
+                                        <p:cTn id="83" dur="1000" fill="hold"/>
+                                        <p:tgtEl>
+                                          <p:spTgt spid="27"/>
+                                        </p:tgtEl>
+                                        <p:attrNameLst>
+                                          <p:attrName>ppt_y</p:attrName>
+                                        </p:attrNameLst>
+                                      </p:cBhvr>
+                                      <p:tavLst>
+                                        <p:tav tm="0">
+                                          <p:val>
+                                            <p:strVal val="#ppt_y+.1"/>
+                                          </p:val>
+                                        </p:tav>
+                                        <p:tav tm="100000">
+                                          <p:val>
+                                            <p:strVal val="#ppt_y"/>
+                                          </p:val>
+                                        </p:tav>
+                                      </p:tavLst>
+                                    </p:anim>
+                                  </p:childTnLst>
+                                </p:cTn>
+                              </p:par>
+                              <p:par>
+                                <p:cTn id="84" presetID="42" presetClass="entr" presetSubtype="0" fill="hold" grpId="0" nodeType="withEffect">
+                                  <p:stCondLst>
+                                    <p:cond delay="0"/>
+                                  </p:stCondLst>
+                                  <p:childTnLst>
+                                    <p:set>
+                                      <p:cBhvr>
+                                        <p:cTn id="85" dur="1" fill="hold">
+                                          <p:stCondLst>
+                                            <p:cond delay="0"/>
+                                          </p:stCondLst>
+                                        </p:cTn>
+                                        <p:tgtEl>
+                                          <p:spTgt spid="31"/>
+                                        </p:tgtEl>
+                                        <p:attrNameLst>
+                                          <p:attrName>style.visibility</p:attrName>
+                                        </p:attrNameLst>
+                                      </p:cBhvr>
+                                      <p:to>
+                                        <p:strVal val="visible"/>
+                                      </p:to>
+                                    </p:set>
+                                    <p:animEffect transition="in" filter="fade">
+                                      <p:cBhvr>
+                                        <p:cTn id="86" dur="1000"/>
+                                        <p:tgtEl>
+                                          <p:spTgt spid="31"/>
+                                        </p:tgtEl>
+                                      </p:cBhvr>
+                                    </p:animEffect>
+                                    <p:anim calcmode="lin" valueType="num">
+                                      <p:cBhvr>
+                                        <p:cTn id="87" dur="1000" fill="hold"/>
+                                        <p:tgtEl>
+                                          <p:spTgt spid="31"/>
+                                        </p:tgtEl>
+                                        <p:attrNameLst>
+                                          <p:attrName>ppt_x</p:attrName>
+                                        </p:attrNameLst>
+                                      </p:cBhvr>
+                                      <p:tavLst>
+                                        <p:tav tm="0">
+                                          <p:val>
+                                            <p:strVal val="#ppt_x"/>
+                                          </p:val>
+                                        </p:tav>
+                                        <p:tav tm="100000">
+                                          <p:val>
+                                            <p:strVal val="#ppt_x"/>
+                                          </p:val>
+                                        </p:tav>
+                                      </p:tavLst>
+                                    </p:anim>
+                                    <p:anim calcmode="lin" valueType="num">
+                                      <p:cBhvr>
+                                        <p:cTn id="88" dur="1000" fill="hold"/>
+                                        <p:tgtEl>
+                                          <p:spTgt spid="31"/>
+                                        </p:tgtEl>
+                                        <p:attrNameLst>
+                                          <p:attrName>ppt_y</p:attrName>
+                                        </p:attrNameLst>
+                                      </p:cBhvr>
+                                      <p:tavLst>
+                                        <p:tav tm="0">
+                                          <p:val>
+                                            <p:strVal val="#ppt_y+.1"/>
+                                          </p:val>
+                                        </p:tav>
+                                        <p:tav tm="100000">
+                                          <p:val>
+                                            <p:strVal val="#ppt_y"/>
+                                          </p:val>
+                                        </p:tav>
+                                      </p:tavLst>
+                                    </p:anim>
+                                  </p:childTnLst>
+                                </p:cTn>
+                              </p:par>
+                              <p:par>
+                                <p:cTn id="89" presetID="42" presetClass="entr" presetSubtype="0" fill="hold" grpId="0" nodeType="withEffect">
+                                  <p:stCondLst>
+                                    <p:cond delay="0"/>
+                                  </p:stCondLst>
+                                  <p:childTnLst>
+                                    <p:set>
+                                      <p:cBhvr>
+                                        <p:cTn id="90" dur="1" fill="hold">
+                                          <p:stCondLst>
+                                            <p:cond delay="0"/>
+                                          </p:stCondLst>
+                                        </p:cTn>
+                                        <p:tgtEl>
+                                          <p:spTgt spid="23"/>
+                                        </p:tgtEl>
+                                        <p:attrNameLst>
+                                          <p:attrName>style.visibility</p:attrName>
+                                        </p:attrNameLst>
+                                      </p:cBhvr>
+                                      <p:to>
+                                        <p:strVal val="visible"/>
+                                      </p:to>
+                                    </p:set>
+                                    <p:animEffect transition="in" filter="fade">
+                                      <p:cBhvr>
+                                        <p:cTn id="91" dur="1000"/>
+                                        <p:tgtEl>
+                                          <p:spTgt spid="23"/>
+                                        </p:tgtEl>
+                                      </p:cBhvr>
+                                    </p:animEffect>
+                                    <p:anim calcmode="lin" valueType="num">
+                                      <p:cBhvr>
+                                        <p:cTn id="92" dur="1000" fill="hold"/>
+                                        <p:tgtEl>
+                                          <p:spTgt spid="23"/>
+                                        </p:tgtEl>
+                                        <p:attrNameLst>
+                                          <p:attrName>ppt_x</p:attrName>
+                                        </p:attrNameLst>
+                                      </p:cBhvr>
+                                      <p:tavLst>
+                                        <p:tav tm="0">
+                                          <p:val>
+                                            <p:strVal val="#ppt_x"/>
+                                          </p:val>
+                                        </p:tav>
+                                        <p:tav tm="100000">
+                                          <p:val>
+                                            <p:strVal val="#ppt_x"/>
+                                          </p:val>
+                                        </p:tav>
+                                      </p:tavLst>
+                                    </p:anim>
+                                    <p:anim calcmode="lin" valueType="num">
+                                      <p:cBhvr>
+                                        <p:cTn id="93" dur="1000" fill="hold"/>
+                                        <p:tgtEl>
+                                          <p:spTgt spid="23"/>
+                                        </p:tgtEl>
+                                        <p:attrNameLst>
+                                          <p:attrName>ppt_y</p:attrName>
+                                        </p:attrNameLst>
+                                      </p:cBhvr>
+                                      <p:tavLst>
+                                        <p:tav tm="0">
+                                          <p:val>
+                                            <p:strVal val="#ppt_y+.1"/>
+                                          </p:val>
+                                        </p:tav>
+                                        <p:tav tm="100000">
+                                          <p:val>
+                                            <p:strVal val="#ppt_y"/>
+                                          </p:val>
+                                        </p:tav>
+                                      </p:tavLst>
+                                    </p:anim>
+                                  </p:childTnLst>
+                                </p:cTn>
+                              </p:par>
+                            </p:childTnLst>
+                          </p:cTn>
+                        </p:par>
+                      </p:childTnLst>
+                    </p:cTn>
+                  </p:par>
                 </p:childTnLst>
               </p:cTn>
               <p:prevCondLst>
@@ -6244,6 +7057,12 @@
       <p:bldP spid="5" grpId="0"/>
       <p:bldP spid="28" grpId="0" animBg="1"/>
       <p:bldP spid="35" grpId="0" animBg="1"/>
+      <p:bldP spid="23" grpId="0" animBg="1"/>
+      <p:bldP spid="26" grpId="0" animBg="1"/>
+      <p:bldP spid="27" grpId="0" animBg="1"/>
+      <p:bldP spid="30" grpId="0" animBg="1"/>
+      <p:bldP spid="31" grpId="0" animBg="1"/>
+      <p:bldP spid="21" grpId="0" animBg="1"/>
     </p:bldLst>
   </p:timing>
 </p:sld>
@@ -6444,6 +7263,276 @@
           <a:effectLst/>
         </p:spPr>
       </p:pic>
+      <p:grpSp>
+        <p:nvGrpSpPr>
+          <p:cNvPr id="6" name="组合 5"/>
+          <p:cNvGrpSpPr/>
+          <p:nvPr/>
+        </p:nvGrpSpPr>
+        <p:grpSpPr>
+          <a:xfrm>
+            <a:off x="467544" y="908720"/>
+            <a:ext cx="2122981" cy="559768"/>
+            <a:chOff x="467544" y="908720"/>
+            <a:chExt cx="2122981" cy="559768"/>
+          </a:xfrm>
+        </p:grpSpPr>
+        <p:sp>
+          <p:nvSpPr>
+            <p:cNvPr id="8" name="同侧圆角矩形 7"/>
+            <p:cNvSpPr/>
+            <p:nvPr/>
+          </p:nvSpPr>
+          <p:spPr>
+            <a:xfrm rot="10800000">
+              <a:off x="467544" y="980724"/>
+              <a:ext cx="1747218" cy="487764"/>
+            </a:xfrm>
+            <a:prstGeom prst="round2SameRect">
+              <a:avLst/>
+            </a:prstGeom>
+            <a:solidFill>
+              <a:schemeClr val="accent4">
+                <a:lumMod val="20000"/>
+                <a:lumOff val="80000"/>
+              </a:schemeClr>
+            </a:solidFill>
+            <a:ln>
+              <a:solidFill>
+                <a:schemeClr val="accent4">
+                  <a:lumMod val="75000"/>
+                </a:schemeClr>
+              </a:solidFill>
+            </a:ln>
+            <a:effectLst>
+              <a:outerShdw blurRad="50800" dist="38100" dir="2700000" algn="tl" rotWithShape="0">
+                <a:prstClr val="black">
+                  <a:alpha val="40000"/>
+                </a:prstClr>
+              </a:outerShdw>
+            </a:effectLst>
+          </p:spPr>
+          <p:style>
+            <a:lnRef idx="2">
+              <a:schemeClr val="accent1">
+                <a:shade val="50000"/>
+              </a:schemeClr>
+            </a:lnRef>
+            <a:fillRef idx="1">
+              <a:schemeClr val="accent1"/>
+            </a:fillRef>
+            <a:effectRef idx="0">
+              <a:schemeClr val="accent1"/>
+            </a:effectRef>
+            <a:fontRef idx="minor">
+              <a:schemeClr val="lt1"/>
+            </a:fontRef>
+          </p:style>
+          <p:txBody>
+            <a:bodyPr rtlCol="0" anchor="ctr"/>
+            <a:lstStyle/>
+            <a:p>
+              <a:pPr algn="ctr"/>
+              <a:endParaRPr lang="zh-CN" altLang="en-US" dirty="0"/>
+            </a:p>
+          </p:txBody>
+        </p:sp>
+        <p:sp>
+          <p:nvSpPr>
+            <p:cNvPr id="9" name="TextBox 24"/>
+            <p:cNvSpPr txBox="1"/>
+            <p:nvPr/>
+          </p:nvSpPr>
+          <p:spPr>
+            <a:xfrm>
+              <a:off x="467544" y="908720"/>
+              <a:ext cx="2122981" cy="481863"/>
+            </a:xfrm>
+            <a:prstGeom prst="rect">
+              <a:avLst/>
+            </a:prstGeom>
+            <a:noFill/>
+          </p:spPr>
+          <p:txBody>
+            <a:bodyPr wrap="square" rtlCol="0">
+              <a:spAutoFit/>
+            </a:bodyPr>
+            <a:lstStyle/>
+            <a:p>
+              <a:pPr>
+                <a:lnSpc>
+                  <a:spcPct val="150000"/>
+                </a:lnSpc>
+              </a:pPr>
+              <a:r>
+                <a:rPr lang="zh-CN" altLang="en-US" sz="2000" dirty="0" smtClean="0">
+                  <a:solidFill>
+                    <a:schemeClr val="accent4">
+                      <a:lumMod val="75000"/>
+                    </a:schemeClr>
+                  </a:solidFill>
+                  <a:latin typeface="+mj-ea"/>
+                  <a:ea typeface="+mj-ea"/>
+                </a:rPr>
+                <a:t>项目背景介绍</a:t>
+              </a:r>
+              <a:endParaRPr lang="zh-CN" altLang="en-US" sz="2000" dirty="0">
+                <a:solidFill>
+                  <a:schemeClr val="accent4">
+                    <a:lumMod val="75000"/>
+                  </a:schemeClr>
+                </a:solidFill>
+                <a:latin typeface="+mj-ea"/>
+                <a:ea typeface="+mj-ea"/>
+              </a:endParaRPr>
+            </a:p>
+          </p:txBody>
+        </p:sp>
+      </p:grpSp>
+      <p:sp>
+        <p:nvSpPr>
+          <p:cNvPr id="14" name="圆角矩形 13"/>
+          <p:cNvSpPr/>
+          <p:nvPr/>
+        </p:nvSpPr>
+        <p:spPr>
+          <a:xfrm>
+            <a:off x="1187624" y="3212976"/>
+            <a:ext cx="6941404" cy="2947211"/>
+          </a:xfrm>
+          <a:prstGeom prst="roundRect">
+            <a:avLst/>
+          </a:prstGeom>
+          <a:ln w="19050">
+            <a:prstDash val="lgDash"/>
+          </a:ln>
+        </p:spPr>
+        <p:style>
+          <a:lnRef idx="1">
+            <a:schemeClr val="accent4"/>
+          </a:lnRef>
+          <a:fillRef idx="2">
+            <a:schemeClr val="accent4"/>
+          </a:fillRef>
+          <a:effectRef idx="1">
+            <a:schemeClr val="accent4"/>
+          </a:effectRef>
+          <a:fontRef idx="minor">
+            <a:schemeClr val="dk1"/>
+          </a:fontRef>
+        </p:style>
+        <p:txBody>
+          <a:bodyPr rtlCol="0" anchor="ctr"/>
+          <a:lstStyle/>
+          <a:p>
+            <a:pPr>
+              <a:lnSpc>
+                <a:spcPct val="150000"/>
+              </a:lnSpc>
+            </a:pPr>
+            <a:r>
+              <a:rPr lang="en-US" altLang="zh-CN" dirty="0">
+                <a:latin typeface="+mn-ea"/>
+              </a:rPr>
+              <a:t> </a:t>
+            </a:r>
+            <a:r>
+              <a:rPr lang="en-US" altLang="zh-CN" dirty="0" smtClean="0">
+                <a:latin typeface="+mn-ea"/>
+              </a:rPr>
+              <a:t>   </a:t>
+            </a:r>
+            <a:r>
+              <a:rPr lang="zh-CN" altLang="en-US" dirty="0">
+                <a:latin typeface="+mn-ea"/>
+              </a:rPr>
+              <a:t>论文</a:t>
+            </a:r>
+            <a:r>
+              <a:rPr lang="zh-CN" altLang="zh-CN" dirty="0" smtClean="0">
+                <a:latin typeface="+mn-ea"/>
+              </a:rPr>
+              <a:t>所</a:t>
+            </a:r>
+            <a:r>
+              <a:rPr lang="zh-CN" altLang="zh-CN" dirty="0">
+                <a:latin typeface="+mn-ea"/>
+              </a:rPr>
+              <a:t>设计与实现的物资管理系统，是一个应用于公司内部的网上管理系统；是着力于改善传统的</a:t>
+            </a:r>
+            <a:r>
+              <a:rPr lang="en-US" altLang="zh-CN" dirty="0">
+                <a:latin typeface="Arial" panose="020B0604020202020204" pitchFamily="34" charset="0"/>
+                <a:cs typeface="Arial" panose="020B0604020202020204" pitchFamily="34" charset="0"/>
+              </a:rPr>
+              <a:t>Excel</a:t>
+            </a:r>
+            <a:r>
+              <a:rPr lang="zh-CN" altLang="zh-CN" dirty="0">
+                <a:latin typeface="+mn-ea"/>
+              </a:rPr>
+              <a:t>表格记录和管理的方式，实现物资管理自动化的信息系统；是能够对物资设备进行资源请求、归还、报废、转交、编辑、检索等操作，能够导入导出</a:t>
+            </a:r>
+            <a:r>
+              <a:rPr lang="en-US" altLang="zh-CN" dirty="0">
+                <a:latin typeface="Arial" panose="020B0604020202020204" pitchFamily="34" charset="0"/>
+                <a:cs typeface="Arial" panose="020B0604020202020204" pitchFamily="34" charset="0"/>
+              </a:rPr>
+              <a:t>Excel</a:t>
+            </a:r>
+            <a:r>
+              <a:rPr lang="zh-CN" altLang="zh-CN" dirty="0">
+                <a:latin typeface="+mn-ea"/>
+              </a:rPr>
+              <a:t>表格，进行在线消息通知和邮件通知，让物资的状态变化及时通知到相关人员的管理信息系统。</a:t>
+            </a:r>
+            <a:endParaRPr lang="zh-CN" altLang="en-US" dirty="0"/>
+          </a:p>
+        </p:txBody>
+      </p:sp>
+      <p:sp>
+        <p:nvSpPr>
+          <p:cNvPr id="16" name="文本框 15"/>
+          <p:cNvSpPr txBox="1"/>
+          <p:nvPr/>
+        </p:nvSpPr>
+        <p:spPr>
+          <a:xfrm>
+            <a:off x="1187624" y="1848583"/>
+            <a:ext cx="7075414" cy="1137106"/>
+          </a:xfrm>
+          <a:prstGeom prst="rect">
+            <a:avLst/>
+          </a:prstGeom>
+          <a:noFill/>
+        </p:spPr>
+        <p:txBody>
+          <a:bodyPr wrap="square" rtlCol="0">
+            <a:spAutoFit/>
+          </a:bodyPr>
+          <a:lstStyle/>
+          <a:p>
+            <a:pPr>
+              <a:lnSpc>
+                <a:spcPct val="150000"/>
+              </a:lnSpc>
+            </a:pPr>
+            <a:r>
+              <a:rPr lang="zh-CN" altLang="en-US" sz="2400" dirty="0" smtClean="0"/>
+              <a:t>上海易安信公司的</a:t>
+            </a:r>
+            <a:r>
+              <a:rPr lang="en-US" altLang="zh-CN" sz="2400" dirty="0" smtClean="0"/>
+              <a:t>UFE</a:t>
+            </a:r>
+            <a:r>
+              <a:rPr lang="zh-CN" altLang="en-US" sz="2400" dirty="0" smtClean="0"/>
+              <a:t>部门，遇到了类似的问题，于是设计与实现了物资管理系统来更好地管理物资</a:t>
+            </a:r>
+            <a:endParaRPr lang="zh-CN" altLang="en-US" sz="2400" dirty="0"/>
+          </a:p>
+        </p:txBody>
+      </p:sp>
     </p:spTree>
     <p:extLst>
       <p:ext uri="{BB962C8B-B14F-4D97-AF65-F5344CB8AC3E}">
@@ -6659,6 +7748,657 @@
           <a:effectLst/>
         </p:spPr>
       </p:pic>
+      <p:grpSp>
+        <p:nvGrpSpPr>
+          <p:cNvPr id="6" name="组合 5"/>
+          <p:cNvGrpSpPr/>
+          <p:nvPr/>
+        </p:nvGrpSpPr>
+        <p:grpSpPr>
+          <a:xfrm>
+            <a:off x="467544" y="908720"/>
+            <a:ext cx="2122981" cy="559768"/>
+            <a:chOff x="467544" y="908720"/>
+            <a:chExt cx="2122981" cy="559768"/>
+          </a:xfrm>
+        </p:grpSpPr>
+        <p:sp>
+          <p:nvSpPr>
+            <p:cNvPr id="8" name="同侧圆角矩形 7"/>
+            <p:cNvSpPr/>
+            <p:nvPr/>
+          </p:nvSpPr>
+          <p:spPr>
+            <a:xfrm rot="10800000">
+              <a:off x="467544" y="980724"/>
+              <a:ext cx="1747218" cy="487764"/>
+            </a:xfrm>
+            <a:prstGeom prst="round2SameRect">
+              <a:avLst/>
+            </a:prstGeom>
+            <a:solidFill>
+              <a:schemeClr val="accent4">
+                <a:lumMod val="20000"/>
+                <a:lumOff val="80000"/>
+              </a:schemeClr>
+            </a:solidFill>
+            <a:ln>
+              <a:solidFill>
+                <a:schemeClr val="accent4">
+                  <a:lumMod val="75000"/>
+                </a:schemeClr>
+              </a:solidFill>
+            </a:ln>
+            <a:effectLst>
+              <a:outerShdw blurRad="50800" dist="38100" dir="2700000" algn="tl" rotWithShape="0">
+                <a:prstClr val="black">
+                  <a:alpha val="40000"/>
+                </a:prstClr>
+              </a:outerShdw>
+            </a:effectLst>
+          </p:spPr>
+          <p:style>
+            <a:lnRef idx="2">
+              <a:schemeClr val="accent1">
+                <a:shade val="50000"/>
+              </a:schemeClr>
+            </a:lnRef>
+            <a:fillRef idx="1">
+              <a:schemeClr val="accent1"/>
+            </a:fillRef>
+            <a:effectRef idx="0">
+              <a:schemeClr val="accent1"/>
+            </a:effectRef>
+            <a:fontRef idx="minor">
+              <a:schemeClr val="lt1"/>
+            </a:fontRef>
+          </p:style>
+          <p:txBody>
+            <a:bodyPr rtlCol="0" anchor="ctr"/>
+            <a:lstStyle/>
+            <a:p>
+              <a:pPr algn="ctr"/>
+              <a:endParaRPr lang="zh-CN" altLang="en-US" dirty="0"/>
+            </a:p>
+          </p:txBody>
+        </p:sp>
+        <p:sp>
+          <p:nvSpPr>
+            <p:cNvPr id="9" name="TextBox 24"/>
+            <p:cNvSpPr txBox="1"/>
+            <p:nvPr/>
+          </p:nvSpPr>
+          <p:spPr>
+            <a:xfrm>
+              <a:off x="467544" y="908720"/>
+              <a:ext cx="2122981" cy="481863"/>
+            </a:xfrm>
+            <a:prstGeom prst="rect">
+              <a:avLst/>
+            </a:prstGeom>
+            <a:noFill/>
+          </p:spPr>
+          <p:txBody>
+            <a:bodyPr wrap="square" rtlCol="0">
+              <a:spAutoFit/>
+            </a:bodyPr>
+            <a:lstStyle/>
+            <a:p>
+              <a:pPr>
+                <a:lnSpc>
+                  <a:spcPct val="150000"/>
+                </a:lnSpc>
+              </a:pPr>
+              <a:r>
+                <a:rPr lang="zh-CN" altLang="en-US" sz="2000" dirty="0" smtClean="0">
+                  <a:solidFill>
+                    <a:schemeClr val="accent4">
+                      <a:lumMod val="75000"/>
+                    </a:schemeClr>
+                  </a:solidFill>
+                  <a:latin typeface="+mj-ea"/>
+                  <a:ea typeface="+mj-ea"/>
+                </a:rPr>
+                <a:t>相关技术介绍</a:t>
+              </a:r>
+              <a:endParaRPr lang="zh-CN" altLang="en-US" sz="2000" dirty="0">
+                <a:solidFill>
+                  <a:schemeClr val="accent4">
+                    <a:lumMod val="75000"/>
+                  </a:schemeClr>
+                </a:solidFill>
+                <a:latin typeface="+mj-ea"/>
+                <a:ea typeface="+mj-ea"/>
+              </a:endParaRPr>
+            </a:p>
+          </p:txBody>
+        </p:sp>
+      </p:grpSp>
+      <p:pic>
+        <p:nvPicPr>
+          <p:cNvPr id="4" name="图片 3"/>
+          <p:cNvPicPr>
+            <a:picLocks noChangeAspect="1"/>
+          </p:cNvPicPr>
+          <p:nvPr/>
+        </p:nvPicPr>
+        <p:blipFill>
+          <a:blip r:embed="rId4"/>
+          <a:stretch>
+            <a:fillRect/>
+          </a:stretch>
+        </p:blipFill>
+        <p:spPr>
+          <a:xfrm>
+            <a:off x="59085" y="4652753"/>
+            <a:ext cx="3648819" cy="1447710"/>
+          </a:xfrm>
+          <a:prstGeom prst="rect">
+            <a:avLst/>
+          </a:prstGeom>
+        </p:spPr>
+      </p:pic>
+      <p:sp>
+        <p:nvSpPr>
+          <p:cNvPr id="5" name="文本框 4"/>
+          <p:cNvSpPr txBox="1"/>
+          <p:nvPr/>
+        </p:nvSpPr>
+        <p:spPr>
+          <a:xfrm>
+            <a:off x="3707904" y="1772816"/>
+            <a:ext cx="5174112" cy="4247317"/>
+          </a:xfrm>
+          <a:prstGeom prst="rect">
+            <a:avLst/>
+          </a:prstGeom>
+          <a:noFill/>
+        </p:spPr>
+        <p:txBody>
+          <a:bodyPr wrap="square" rtlCol="0">
+            <a:spAutoFit/>
+          </a:bodyPr>
+          <a:lstStyle/>
+          <a:p>
+            <a:pPr marL="285750" indent="-285750">
+              <a:lnSpc>
+                <a:spcPct val="150000"/>
+              </a:lnSpc>
+              <a:buFont typeface="Arial" panose="020B0604020202020204" pitchFamily="34" charset="0"/>
+              <a:buChar char="•"/>
+            </a:pPr>
+            <a:r>
+              <a:rPr lang="zh-CN" altLang="en-US" dirty="0"/>
+              <a:t>物资管理</a:t>
+            </a:r>
+            <a:r>
+              <a:rPr lang="zh-CN" altLang="en-US" dirty="0" smtClean="0"/>
+              <a:t>系统</a:t>
+            </a:r>
+            <a:r>
+              <a:rPr lang="zh-CN" altLang="en-US" dirty="0"/>
+              <a:t>采用</a:t>
+            </a:r>
+            <a:r>
+              <a:rPr lang="en-US" altLang="zh-CN" dirty="0" smtClean="0">
+                <a:latin typeface="Arial" panose="020B0604020202020204" pitchFamily="34" charset="0"/>
+                <a:cs typeface="Arial" panose="020B0604020202020204" pitchFamily="34" charset="0"/>
+              </a:rPr>
+              <a:t>Flask</a:t>
+            </a:r>
+            <a:r>
+              <a:rPr lang="zh-CN" altLang="en-US" dirty="0" smtClean="0"/>
+              <a:t>框架帮助实现服务器端后台，是</a:t>
+            </a:r>
+            <a:r>
+              <a:rPr lang="zh-CN" altLang="zh-CN" dirty="0"/>
+              <a:t>轻量级的支持网络开发的</a:t>
+            </a:r>
+            <a:r>
+              <a:rPr lang="en-US" altLang="zh-CN" dirty="0">
+                <a:latin typeface="Arial" panose="020B0604020202020204" pitchFamily="34" charset="0"/>
+                <a:cs typeface="Arial" panose="020B0604020202020204" pitchFamily="34" charset="0"/>
+              </a:rPr>
+              <a:t>python</a:t>
+            </a:r>
+            <a:r>
+              <a:rPr lang="zh-CN" altLang="zh-CN" dirty="0" smtClean="0"/>
+              <a:t>框架</a:t>
+            </a:r>
+            <a:endParaRPr lang="en-US" altLang="zh-CN" dirty="0" smtClean="0"/>
+          </a:p>
+          <a:p>
+            <a:pPr marL="285750" indent="-285750">
+              <a:lnSpc>
+                <a:spcPct val="150000"/>
+              </a:lnSpc>
+              <a:buFont typeface="Arial" panose="020B0604020202020204" pitchFamily="34" charset="0"/>
+              <a:buChar char="•"/>
+            </a:pPr>
+            <a:r>
+              <a:rPr lang="zh-CN" altLang="zh-CN" dirty="0"/>
+              <a:t>基于</a:t>
+            </a:r>
+            <a:r>
+              <a:rPr lang="en-US" altLang="zh-CN" dirty="0" err="1" smtClean="0">
+                <a:latin typeface="Arial" panose="020B0604020202020204" pitchFamily="34" charset="0"/>
+                <a:cs typeface="Arial" panose="020B0604020202020204" pitchFamily="34" charset="0"/>
+              </a:rPr>
+              <a:t>Werkzeug</a:t>
+            </a:r>
+            <a:r>
+              <a:rPr lang="zh-CN" altLang="en-US" dirty="0" smtClean="0">
+                <a:latin typeface="Arial" panose="020B0604020202020204" pitchFamily="34" charset="0"/>
+                <a:cs typeface="Arial" panose="020B0604020202020204" pitchFamily="34" charset="0"/>
+              </a:rPr>
+              <a:t>（</a:t>
+            </a:r>
+            <a:r>
+              <a:rPr lang="zh-CN" altLang="zh-CN" dirty="0" smtClean="0"/>
+              <a:t> </a:t>
+            </a:r>
+            <a:r>
+              <a:rPr lang="en-US" altLang="zh-CN" dirty="0" smtClean="0"/>
+              <a:t>WSGI</a:t>
+            </a:r>
+            <a:r>
+              <a:rPr lang="zh-CN" altLang="zh-CN" dirty="0" smtClean="0"/>
+              <a:t>工具箱</a:t>
+            </a:r>
+            <a:r>
+              <a:rPr lang="zh-CN" altLang="en-US" dirty="0" smtClean="0"/>
+              <a:t>）</a:t>
+            </a:r>
+            <a:r>
+              <a:rPr lang="zh-CN" altLang="zh-CN" dirty="0" smtClean="0"/>
+              <a:t>、</a:t>
+            </a:r>
+            <a:r>
+              <a:rPr lang="en-US" altLang="zh-CN" dirty="0" err="1" smtClean="0">
+                <a:latin typeface="Arial" panose="020B0604020202020204" pitchFamily="34" charset="0"/>
+                <a:cs typeface="Arial" panose="020B0604020202020204" pitchFamily="34" charset="0"/>
+              </a:rPr>
+              <a:t>Jinja</a:t>
+            </a:r>
+            <a:r>
+              <a:rPr lang="en-US" altLang="zh-CN" dirty="0" smtClean="0"/>
+              <a:t> </a:t>
+            </a:r>
+            <a:r>
+              <a:rPr lang="en-US" altLang="zh-CN" dirty="0"/>
+              <a:t>2 </a:t>
+            </a:r>
+            <a:r>
+              <a:rPr lang="zh-CN" altLang="zh-CN" dirty="0"/>
+              <a:t>和一些知名的开源</a:t>
+            </a:r>
+            <a:r>
+              <a:rPr lang="zh-CN" altLang="zh-CN" dirty="0" smtClean="0"/>
+              <a:t>库</a:t>
+            </a:r>
+            <a:endParaRPr lang="en-US" altLang="zh-CN" dirty="0" smtClean="0"/>
+          </a:p>
+          <a:p>
+            <a:pPr marL="285750" indent="-285750">
+              <a:lnSpc>
+                <a:spcPct val="150000"/>
+              </a:lnSpc>
+              <a:buFont typeface="Arial" panose="020B0604020202020204" pitchFamily="34" charset="0"/>
+              <a:buChar char="•"/>
+            </a:pPr>
+            <a:r>
+              <a:rPr lang="zh-CN" altLang="zh-CN" dirty="0"/>
+              <a:t>拥有</a:t>
+            </a:r>
+            <a:r>
+              <a:rPr lang="en-US" altLang="zh-CN" dirty="0" err="1">
+                <a:latin typeface="Arial" panose="020B0604020202020204" pitchFamily="34" charset="0"/>
+                <a:cs typeface="Arial" panose="020B0604020202020204" pitchFamily="34" charset="0"/>
+              </a:rPr>
+              <a:t>RESTful</a:t>
+            </a:r>
+            <a:r>
+              <a:rPr lang="zh-CN" altLang="zh-CN" dirty="0"/>
+              <a:t>请求适配，支持安全的</a:t>
+            </a:r>
+            <a:r>
+              <a:rPr lang="en-US" altLang="zh-CN" dirty="0">
+                <a:latin typeface="Arial" panose="020B0604020202020204" pitchFamily="34" charset="0"/>
+                <a:cs typeface="Arial" panose="020B0604020202020204" pitchFamily="34" charset="0"/>
+              </a:rPr>
+              <a:t>cookies</a:t>
+            </a:r>
+            <a:r>
+              <a:rPr lang="zh-CN" altLang="zh-CN" dirty="0" smtClean="0"/>
+              <a:t>访问</a:t>
+            </a:r>
+            <a:r>
+              <a:rPr lang="zh-CN" altLang="en-US" dirty="0" smtClean="0"/>
+              <a:t>，</a:t>
+            </a:r>
+            <a:r>
+              <a:rPr lang="zh-CN" altLang="zh-CN" dirty="0" smtClean="0"/>
+              <a:t>兼容</a:t>
+            </a:r>
+            <a:r>
+              <a:rPr lang="en-US" altLang="zh-CN" dirty="0" smtClean="0">
+                <a:latin typeface="Arial" panose="020B0604020202020204" pitchFamily="34" charset="0"/>
+                <a:cs typeface="Arial" panose="020B0604020202020204" pitchFamily="34" charset="0"/>
+              </a:rPr>
+              <a:t>WSGI</a:t>
+            </a:r>
+            <a:r>
+              <a:rPr lang="en-US" altLang="zh-CN" dirty="0" smtClean="0"/>
+              <a:t> </a:t>
+            </a:r>
+            <a:r>
+              <a:rPr lang="en-US" altLang="zh-CN" dirty="0">
+                <a:latin typeface="Arial" panose="020B0604020202020204" pitchFamily="34" charset="0"/>
+                <a:cs typeface="Arial" panose="020B0604020202020204" pitchFamily="34" charset="0"/>
+              </a:rPr>
+              <a:t>1.0</a:t>
+            </a:r>
+            <a:r>
+              <a:rPr lang="en-US" altLang="zh-CN" dirty="0"/>
+              <a:t> </a:t>
+            </a:r>
+            <a:endParaRPr lang="en-US" altLang="zh-CN" dirty="0" smtClean="0"/>
+          </a:p>
+          <a:p>
+            <a:pPr marL="285750" indent="-285750">
+              <a:lnSpc>
+                <a:spcPct val="150000"/>
+              </a:lnSpc>
+              <a:buFont typeface="Arial" panose="020B0604020202020204" pitchFamily="34" charset="0"/>
+              <a:buChar char="•"/>
+            </a:pPr>
+            <a:r>
+              <a:rPr lang="zh-CN" altLang="zh-CN" dirty="0" smtClean="0"/>
+              <a:t>约定俗成</a:t>
+            </a:r>
+            <a:r>
+              <a:rPr lang="zh-CN" altLang="zh-CN" dirty="0"/>
+              <a:t>的部分是，在应用的根目录下，需要创建两个文件夹，一个需要命名为</a:t>
+            </a:r>
+            <a:r>
+              <a:rPr lang="en-US" altLang="zh-CN" dirty="0">
+                <a:latin typeface="Arial" panose="020B0604020202020204" pitchFamily="34" charset="0"/>
+                <a:cs typeface="Arial" panose="020B0604020202020204" pitchFamily="34" charset="0"/>
+              </a:rPr>
+              <a:t>templates</a:t>
+            </a:r>
+            <a:r>
+              <a:rPr lang="zh-CN" altLang="zh-CN" dirty="0"/>
+              <a:t>，存放</a:t>
+            </a:r>
+            <a:r>
+              <a:rPr lang="en-US" altLang="zh-CN" dirty="0">
+                <a:latin typeface="Arial" panose="020B0604020202020204" pitchFamily="34" charset="0"/>
+                <a:cs typeface="Arial" panose="020B0604020202020204" pitchFamily="34" charset="0"/>
+              </a:rPr>
+              <a:t>html</a:t>
+            </a:r>
+            <a:r>
+              <a:rPr lang="zh-CN" altLang="zh-CN" dirty="0"/>
+              <a:t>模板文件，还有一个需要命名为</a:t>
+            </a:r>
+            <a:r>
+              <a:rPr lang="en-US" altLang="zh-CN" dirty="0">
+                <a:latin typeface="Arial" panose="020B0604020202020204" pitchFamily="34" charset="0"/>
+                <a:cs typeface="Arial" panose="020B0604020202020204" pitchFamily="34" charset="0"/>
+              </a:rPr>
+              <a:t>static</a:t>
+            </a:r>
+            <a:r>
+              <a:rPr lang="zh-CN" altLang="zh-CN" dirty="0"/>
+              <a:t>，存放</a:t>
+            </a:r>
+            <a:r>
+              <a:rPr lang="en-US" altLang="zh-CN" dirty="0" err="1">
+                <a:latin typeface="Arial" panose="020B0604020202020204" pitchFamily="34" charset="0"/>
+                <a:cs typeface="Arial" panose="020B0604020202020204" pitchFamily="34" charset="0"/>
+              </a:rPr>
+              <a:t>css</a:t>
+            </a:r>
+            <a:r>
+              <a:rPr lang="en-US" altLang="zh-CN" dirty="0"/>
+              <a:t>, </a:t>
+            </a:r>
+            <a:r>
+              <a:rPr lang="en-US" altLang="zh-CN" dirty="0" err="1">
+                <a:latin typeface="Arial" panose="020B0604020202020204" pitchFamily="34" charset="0"/>
+                <a:cs typeface="Arial" panose="020B0604020202020204" pitchFamily="34" charset="0"/>
+              </a:rPr>
+              <a:t>js</a:t>
+            </a:r>
+            <a:r>
+              <a:rPr lang="en-US" altLang="zh-CN" dirty="0"/>
+              <a:t>, </a:t>
+            </a:r>
+            <a:r>
+              <a:rPr lang="zh-CN" altLang="zh-CN" dirty="0"/>
+              <a:t>图片和其他静态资源</a:t>
+            </a:r>
+            <a:endParaRPr lang="zh-CN" altLang="en-US" dirty="0"/>
+          </a:p>
+        </p:txBody>
+      </p:sp>
+      <p:graphicFrame>
+        <p:nvGraphicFramePr>
+          <p:cNvPr id="11" name="表格 10"/>
+          <p:cNvGraphicFramePr>
+            <a:graphicFrameLocks noGrp="1"/>
+          </p:cNvGraphicFramePr>
+          <p:nvPr>
+            <p:extLst>
+              <p:ext uri="{D42A27DB-BD31-4B8C-83A1-F6EECF244321}">
+                <p14:modId xmlns:p14="http://schemas.microsoft.com/office/powerpoint/2010/main" val="3174026712"/>
+              </p:ext>
+            </p:extLst>
+          </p:nvPr>
+        </p:nvGraphicFramePr>
+        <p:xfrm>
+          <a:off x="772560" y="1961132"/>
+          <a:ext cx="2287272" cy="2619996"/>
+        </p:xfrm>
+        <a:graphic>
+          <a:graphicData uri="http://schemas.openxmlformats.org/drawingml/2006/table">
+            <a:tbl>
+              <a:tblPr firstRow="1" firstCol="1" bandRow="1">
+                <a:tableStyleId>{5C22544A-7EE6-4342-B048-85BDC9FD1C3A}</a:tableStyleId>
+              </a:tblPr>
+              <a:tblGrid>
+                <a:gridCol w="2287272"/>
+              </a:tblGrid>
+              <a:tr h="2619996">
+                <a:tc>
+                  <a:txBody>
+                    <a:bodyPr/>
+                    <a:lstStyle/>
+                    <a:p>
+                      <a:pPr algn="l">
+                        <a:spcAft>
+                          <a:spcPts val="0"/>
+                        </a:spcAft>
+                      </a:pPr>
+                      <a:r>
+                        <a:rPr lang="en-US" sz="1800" kern="100" dirty="0">
+                          <a:effectLst/>
+                        </a:rPr>
+                        <a:t>/</a:t>
+                      </a:r>
+                      <a:r>
+                        <a:rPr lang="en-US" sz="1800" kern="100" dirty="0" err="1">
+                          <a:effectLst/>
+                        </a:rPr>
+                        <a:t>yourapplication</a:t>
+                      </a:r>
+                      <a:r>
+                        <a:rPr lang="en-US" sz="1800" kern="100" dirty="0">
+                          <a:effectLst/>
+                        </a:rPr>
+                        <a:t> </a:t>
+                      </a:r>
+                      <a:endParaRPr lang="zh-CN" sz="1400" kern="100" dirty="0">
+                        <a:effectLst/>
+                      </a:endParaRPr>
+                    </a:p>
+                    <a:p>
+                      <a:pPr algn="l">
+                        <a:spcAft>
+                          <a:spcPts val="0"/>
+                        </a:spcAft>
+                      </a:pPr>
+                      <a:r>
+                        <a:rPr lang="en-US" sz="1800" kern="100" dirty="0">
+                          <a:effectLst/>
+                        </a:rPr>
+                        <a:t>   /runserver.py </a:t>
+                      </a:r>
+                      <a:endParaRPr lang="zh-CN" sz="1400" kern="100" dirty="0">
+                        <a:effectLst/>
+                      </a:endParaRPr>
+                    </a:p>
+                    <a:p>
+                      <a:pPr algn="l">
+                        <a:spcAft>
+                          <a:spcPts val="0"/>
+                        </a:spcAft>
+                      </a:pPr>
+                      <a:r>
+                        <a:rPr lang="en-US" sz="1800" kern="100" dirty="0">
+                          <a:effectLst/>
+                        </a:rPr>
+                        <a:t>   /</a:t>
+                      </a:r>
+                      <a:r>
+                        <a:rPr lang="en-US" sz="1800" kern="100" dirty="0" err="1">
+                          <a:effectLst/>
+                        </a:rPr>
+                        <a:t>yourapplication</a:t>
+                      </a:r>
+                      <a:r>
+                        <a:rPr lang="en-US" sz="1800" kern="100" dirty="0">
+                          <a:effectLst/>
+                        </a:rPr>
+                        <a:t> </a:t>
+                      </a:r>
+                      <a:endParaRPr lang="zh-CN" sz="1400" kern="100" dirty="0">
+                        <a:effectLst/>
+                      </a:endParaRPr>
+                    </a:p>
+                    <a:p>
+                      <a:pPr algn="l">
+                        <a:spcAft>
+                          <a:spcPts val="0"/>
+                        </a:spcAft>
+                      </a:pPr>
+                      <a:r>
+                        <a:rPr lang="en-US" sz="1800" kern="100" dirty="0">
+                          <a:effectLst/>
+                        </a:rPr>
+                        <a:t>      /__init__.py</a:t>
+                      </a:r>
+                      <a:endParaRPr lang="zh-CN" sz="1400" kern="100" dirty="0">
+                        <a:effectLst/>
+                      </a:endParaRPr>
+                    </a:p>
+                    <a:p>
+                      <a:pPr algn="l">
+                        <a:spcAft>
+                          <a:spcPts val="0"/>
+                        </a:spcAft>
+                      </a:pPr>
+                      <a:r>
+                        <a:rPr lang="en-US" sz="1800" kern="100" dirty="0">
+                          <a:effectLst/>
+                        </a:rPr>
+                        <a:t>      /views.py </a:t>
+                      </a:r>
+                      <a:endParaRPr lang="zh-CN" sz="1400" kern="100" dirty="0">
+                        <a:effectLst/>
+                      </a:endParaRPr>
+                    </a:p>
+                    <a:p>
+                      <a:pPr algn="l">
+                        <a:spcAft>
+                          <a:spcPts val="0"/>
+                        </a:spcAft>
+                      </a:pPr>
+                      <a:r>
+                        <a:rPr lang="en-US" sz="1800" kern="100" dirty="0">
+                          <a:effectLst/>
+                        </a:rPr>
+                        <a:t>      /static </a:t>
+                      </a:r>
+                      <a:endParaRPr lang="zh-CN" sz="1400" kern="100" dirty="0">
+                        <a:effectLst/>
+                      </a:endParaRPr>
+                    </a:p>
+                    <a:p>
+                      <a:pPr algn="l">
+                        <a:spcAft>
+                          <a:spcPts val="0"/>
+                        </a:spcAft>
+                      </a:pPr>
+                      <a:r>
+                        <a:rPr lang="en-US" sz="1800" kern="100" dirty="0">
+                          <a:effectLst/>
+                        </a:rPr>
+                        <a:t>         /style.css </a:t>
+                      </a:r>
+                      <a:endParaRPr lang="zh-CN" sz="1400" kern="100" dirty="0">
+                        <a:effectLst/>
+                      </a:endParaRPr>
+                    </a:p>
+                    <a:p>
+                      <a:pPr algn="l">
+                        <a:spcAft>
+                          <a:spcPts val="0"/>
+                        </a:spcAft>
+                      </a:pPr>
+                      <a:r>
+                        <a:rPr lang="en-US" sz="1800" kern="100" dirty="0">
+                          <a:effectLst/>
+                        </a:rPr>
+                        <a:t>      /templates </a:t>
+                      </a:r>
+                      <a:endParaRPr lang="zh-CN" sz="1400" kern="100" dirty="0">
+                        <a:effectLst/>
+                      </a:endParaRPr>
+                    </a:p>
+                    <a:p>
+                      <a:pPr algn="l">
+                        <a:spcAft>
+                          <a:spcPts val="0"/>
+                        </a:spcAft>
+                      </a:pPr>
+                      <a:r>
+                        <a:rPr lang="en-US" sz="1800" kern="100" dirty="0">
+                          <a:effectLst/>
+                        </a:rPr>
+                        <a:t>         /layout.html</a:t>
+                      </a:r>
+                      <a:endParaRPr lang="zh-CN" sz="1400" kern="100" dirty="0">
+                        <a:effectLst/>
+                        <a:latin typeface="Times New Roman" panose="02020603050405020304" pitchFamily="18" charset="0"/>
+                        <a:ea typeface="宋体" panose="02010600030101010101" pitchFamily="2" charset="-122"/>
+                      </a:endParaRPr>
+                    </a:p>
+                  </a:txBody>
+                  <a:tcPr marL="68580" marR="68580" marT="0" marB="0">
+                    <a:solidFill>
+                      <a:schemeClr val="accent4">
+                        <a:lumMod val="75000"/>
+                      </a:schemeClr>
+                    </a:solidFill>
+                  </a:tcPr>
+                </a:tc>
+              </a:tr>
+            </a:tbl>
+          </a:graphicData>
+        </a:graphic>
+      </p:graphicFrame>
     </p:spTree>
     <p:extLst>
       <p:ext uri="{BB962C8B-B14F-4D97-AF65-F5344CB8AC3E}">
@@ -6672,9 +8412,285 @@
   <p:timing>
     <p:tnLst>
       <p:par>
-        <p:cTn id="1" dur="indefinite" restart="never" nodeType="tmRoot"/>
+        <p:cTn id="1" dur="indefinite" restart="never" nodeType="tmRoot">
+          <p:childTnLst>
+            <p:seq concurrent="1" nextAc="seek">
+              <p:cTn id="2" dur="indefinite" nodeType="mainSeq">
+                <p:childTnLst>
+                  <p:par>
+                    <p:cTn id="3" fill="hold">
+                      <p:stCondLst>
+                        <p:cond delay="indefinite"/>
+                      </p:stCondLst>
+                      <p:childTnLst>
+                        <p:par>
+                          <p:cTn id="4" fill="hold">
+                            <p:stCondLst>
+                              <p:cond delay="0"/>
+                            </p:stCondLst>
+                            <p:childTnLst>
+                              <p:par>
+                                <p:cTn id="5" presetID="14" presetClass="entr" presetSubtype="10" fill="hold" nodeType="clickEffect">
+                                  <p:stCondLst>
+                                    <p:cond delay="0"/>
+                                  </p:stCondLst>
+                                  <p:childTnLst>
+                                    <p:set>
+                                      <p:cBhvr>
+                                        <p:cTn id="6" dur="1" fill="hold">
+                                          <p:stCondLst>
+                                            <p:cond delay="0"/>
+                                          </p:stCondLst>
+                                        </p:cTn>
+                                        <p:tgtEl>
+                                          <p:spTgt spid="6"/>
+                                        </p:tgtEl>
+                                        <p:attrNameLst>
+                                          <p:attrName>style.visibility</p:attrName>
+                                        </p:attrNameLst>
+                                      </p:cBhvr>
+                                      <p:to>
+                                        <p:strVal val="visible"/>
+                                      </p:to>
+                                    </p:set>
+                                    <p:animEffect transition="in" filter="randombar(horizontal)">
+                                      <p:cBhvr>
+                                        <p:cTn id="7" dur="500"/>
+                                        <p:tgtEl>
+                                          <p:spTgt spid="6"/>
+                                        </p:tgtEl>
+                                      </p:cBhvr>
+                                    </p:animEffect>
+                                  </p:childTnLst>
+                                </p:cTn>
+                              </p:par>
+                            </p:childTnLst>
+                          </p:cTn>
+                        </p:par>
+                      </p:childTnLst>
+                    </p:cTn>
+                  </p:par>
+                  <p:par>
+                    <p:cTn id="8" fill="hold">
+                      <p:stCondLst>
+                        <p:cond delay="indefinite"/>
+                      </p:stCondLst>
+                      <p:childTnLst>
+                        <p:par>
+                          <p:cTn id="9" fill="hold">
+                            <p:stCondLst>
+                              <p:cond delay="0"/>
+                            </p:stCondLst>
+                            <p:childTnLst>
+                              <p:par>
+                                <p:cTn id="10" presetID="5" presetClass="entr" presetSubtype="10" fill="hold" nodeType="clickEffect">
+                                  <p:stCondLst>
+                                    <p:cond delay="0"/>
+                                  </p:stCondLst>
+                                  <p:childTnLst>
+                                    <p:set>
+                                      <p:cBhvr>
+                                        <p:cTn id="11" dur="1" fill="hold">
+                                          <p:stCondLst>
+                                            <p:cond delay="0"/>
+                                          </p:stCondLst>
+                                        </p:cTn>
+                                        <p:tgtEl>
+                                          <p:spTgt spid="4"/>
+                                        </p:tgtEl>
+                                        <p:attrNameLst>
+                                          <p:attrName>style.visibility</p:attrName>
+                                        </p:attrNameLst>
+                                      </p:cBhvr>
+                                      <p:to>
+                                        <p:strVal val="visible"/>
+                                      </p:to>
+                                    </p:set>
+                                    <p:animEffect transition="in" filter="checkerboard(across)">
+                                      <p:cBhvr>
+                                        <p:cTn id="12" dur="500"/>
+                                        <p:tgtEl>
+                                          <p:spTgt spid="4"/>
+                                        </p:tgtEl>
+                                      </p:cBhvr>
+                                    </p:animEffect>
+                                  </p:childTnLst>
+                                </p:cTn>
+                              </p:par>
+                            </p:childTnLst>
+                          </p:cTn>
+                        </p:par>
+                      </p:childTnLst>
+                    </p:cTn>
+                  </p:par>
+                  <p:par>
+                    <p:cTn id="13" fill="hold">
+                      <p:stCondLst>
+                        <p:cond delay="indefinite"/>
+                      </p:stCondLst>
+                      <p:childTnLst>
+                        <p:par>
+                          <p:cTn id="14" fill="hold">
+                            <p:stCondLst>
+                              <p:cond delay="0"/>
+                            </p:stCondLst>
+                            <p:childTnLst>
+                              <p:par>
+                                <p:cTn id="15" presetID="1" presetClass="entr" presetSubtype="0" fill="hold" grpId="0" nodeType="clickEffect">
+                                  <p:stCondLst>
+                                    <p:cond delay="0"/>
+                                  </p:stCondLst>
+                                  <p:childTnLst>
+                                    <p:set>
+                                      <p:cBhvr>
+                                        <p:cTn id="16" dur="1" fill="hold">
+                                          <p:stCondLst>
+                                            <p:cond delay="0"/>
+                                          </p:stCondLst>
+                                        </p:cTn>
+                                        <p:tgtEl>
+                                          <p:spTgt spid="5"/>
+                                        </p:tgtEl>
+                                        <p:attrNameLst>
+                                          <p:attrName>style.visibility</p:attrName>
+                                        </p:attrNameLst>
+                                      </p:cBhvr>
+                                      <p:to>
+                                        <p:strVal val="visible"/>
+                                      </p:to>
+                                    </p:set>
+                                  </p:childTnLst>
+                                </p:cTn>
+                              </p:par>
+                            </p:childTnLst>
+                          </p:cTn>
+                        </p:par>
+                      </p:childTnLst>
+                    </p:cTn>
+                  </p:par>
+                  <p:par>
+                    <p:cTn id="17" fill="hold">
+                      <p:stCondLst>
+                        <p:cond delay="indefinite"/>
+                      </p:stCondLst>
+                      <p:childTnLst>
+                        <p:par>
+                          <p:cTn id="18" fill="hold">
+                            <p:stCondLst>
+                              <p:cond delay="0"/>
+                            </p:stCondLst>
+                            <p:childTnLst>
+                              <p:par>
+                                <p:cTn id="19" presetID="42" presetClass="entr" presetSubtype="0" fill="hold" nodeType="clickEffect">
+                                  <p:stCondLst>
+                                    <p:cond delay="0"/>
+                                  </p:stCondLst>
+                                  <p:childTnLst>
+                                    <p:set>
+                                      <p:cBhvr>
+                                        <p:cTn id="20" dur="1" fill="hold">
+                                          <p:stCondLst>
+                                            <p:cond delay="0"/>
+                                          </p:stCondLst>
+                                        </p:cTn>
+                                        <p:tgtEl>
+                                          <p:spTgt spid="11"/>
+                                        </p:tgtEl>
+                                        <p:attrNameLst>
+                                          <p:attrName>style.visibility</p:attrName>
+                                        </p:attrNameLst>
+                                      </p:cBhvr>
+                                      <p:to>
+                                        <p:strVal val="visible"/>
+                                      </p:to>
+                                    </p:set>
+                                    <p:animEffect transition="in" filter="fade">
+                                      <p:cBhvr>
+                                        <p:cTn id="21" dur="1000"/>
+                                        <p:tgtEl>
+                                          <p:spTgt spid="11"/>
+                                        </p:tgtEl>
+                                      </p:cBhvr>
+                                    </p:animEffect>
+                                    <p:anim calcmode="lin" valueType="num">
+                                      <p:cBhvr>
+                                        <p:cTn id="22" dur="1000" fill="hold"/>
+                                        <p:tgtEl>
+                                          <p:spTgt spid="11"/>
+                                        </p:tgtEl>
+                                        <p:attrNameLst>
+                                          <p:attrName>ppt_x</p:attrName>
+                                        </p:attrNameLst>
+                                      </p:cBhvr>
+                                      <p:tavLst>
+                                        <p:tav tm="0">
+                                          <p:val>
+                                            <p:strVal val="#ppt_x"/>
+                                          </p:val>
+                                        </p:tav>
+                                        <p:tav tm="100000">
+                                          <p:val>
+                                            <p:strVal val="#ppt_x"/>
+                                          </p:val>
+                                        </p:tav>
+                                      </p:tavLst>
+                                    </p:anim>
+                                    <p:anim calcmode="lin" valueType="num">
+                                      <p:cBhvr>
+                                        <p:cTn id="23" dur="1000" fill="hold"/>
+                                        <p:tgtEl>
+                                          <p:spTgt spid="11"/>
+                                        </p:tgtEl>
+                                        <p:attrNameLst>
+                                          <p:attrName>ppt_y</p:attrName>
+                                        </p:attrNameLst>
+                                      </p:cBhvr>
+                                      <p:tavLst>
+                                        <p:tav tm="0">
+                                          <p:val>
+                                            <p:strVal val="#ppt_y+.1"/>
+                                          </p:val>
+                                        </p:tav>
+                                        <p:tav tm="100000">
+                                          <p:val>
+                                            <p:strVal val="#ppt_y"/>
+                                          </p:val>
+                                        </p:tav>
+                                      </p:tavLst>
+                                    </p:anim>
+                                  </p:childTnLst>
+                                </p:cTn>
+                              </p:par>
+                            </p:childTnLst>
+                          </p:cTn>
+                        </p:par>
+                      </p:childTnLst>
+                    </p:cTn>
+                  </p:par>
+                </p:childTnLst>
+              </p:cTn>
+              <p:prevCondLst>
+                <p:cond evt="onPrev" delay="0">
+                  <p:tgtEl>
+                    <p:sldTgt/>
+                  </p:tgtEl>
+                </p:cond>
+              </p:prevCondLst>
+              <p:nextCondLst>
+                <p:cond evt="onNext" delay="0">
+                  <p:tgtEl>
+                    <p:sldTgt/>
+                  </p:tgtEl>
+                </p:cond>
+              </p:nextCondLst>
+            </p:seq>
+          </p:childTnLst>
+        </p:cTn>
       </p:par>
     </p:tnLst>
+    <p:bldLst>
+      <p:bldP spid="5" grpId="0"/>
+    </p:bldLst>
   </p:timing>
 </p:sld>
 </file>
@@ -6874,6 +8890,302 @@
           <a:effectLst/>
         </p:spPr>
       </p:pic>
+      <p:grpSp>
+        <p:nvGrpSpPr>
+          <p:cNvPr id="10" name="组合 9"/>
+          <p:cNvGrpSpPr/>
+          <p:nvPr/>
+        </p:nvGrpSpPr>
+        <p:grpSpPr>
+          <a:xfrm>
+            <a:off x="467544" y="908720"/>
+            <a:ext cx="2122981" cy="559768"/>
+            <a:chOff x="467544" y="908720"/>
+            <a:chExt cx="2122981" cy="559768"/>
+          </a:xfrm>
+        </p:grpSpPr>
+        <p:sp>
+          <p:nvSpPr>
+            <p:cNvPr id="11" name="同侧圆角矩形 10"/>
+            <p:cNvSpPr/>
+            <p:nvPr/>
+          </p:nvSpPr>
+          <p:spPr>
+            <a:xfrm rot="10800000">
+              <a:off x="467544" y="980724"/>
+              <a:ext cx="1747218" cy="487764"/>
+            </a:xfrm>
+            <a:prstGeom prst="round2SameRect">
+              <a:avLst/>
+            </a:prstGeom>
+            <a:solidFill>
+              <a:schemeClr val="accent4">
+                <a:lumMod val="20000"/>
+                <a:lumOff val="80000"/>
+              </a:schemeClr>
+            </a:solidFill>
+            <a:ln>
+              <a:solidFill>
+                <a:schemeClr val="accent4">
+                  <a:lumMod val="75000"/>
+                </a:schemeClr>
+              </a:solidFill>
+            </a:ln>
+            <a:effectLst>
+              <a:outerShdw blurRad="50800" dist="38100" dir="2700000" algn="tl" rotWithShape="0">
+                <a:prstClr val="black">
+                  <a:alpha val="40000"/>
+                </a:prstClr>
+              </a:outerShdw>
+            </a:effectLst>
+          </p:spPr>
+          <p:style>
+            <a:lnRef idx="2">
+              <a:schemeClr val="accent1">
+                <a:shade val="50000"/>
+              </a:schemeClr>
+            </a:lnRef>
+            <a:fillRef idx="1">
+              <a:schemeClr val="accent1"/>
+            </a:fillRef>
+            <a:effectRef idx="0">
+              <a:schemeClr val="accent1"/>
+            </a:effectRef>
+            <a:fontRef idx="minor">
+              <a:schemeClr val="lt1"/>
+            </a:fontRef>
+          </p:style>
+          <p:txBody>
+            <a:bodyPr rtlCol="0" anchor="ctr"/>
+            <a:lstStyle/>
+            <a:p>
+              <a:pPr algn="ctr"/>
+              <a:endParaRPr lang="zh-CN" altLang="en-US" dirty="0"/>
+            </a:p>
+          </p:txBody>
+        </p:sp>
+        <p:sp>
+          <p:nvSpPr>
+            <p:cNvPr id="12" name="TextBox 24"/>
+            <p:cNvSpPr txBox="1"/>
+            <p:nvPr/>
+          </p:nvSpPr>
+          <p:spPr>
+            <a:xfrm>
+              <a:off x="467544" y="908720"/>
+              <a:ext cx="2122981" cy="481863"/>
+            </a:xfrm>
+            <a:prstGeom prst="rect">
+              <a:avLst/>
+            </a:prstGeom>
+            <a:noFill/>
+          </p:spPr>
+          <p:txBody>
+            <a:bodyPr wrap="square" rtlCol="0">
+              <a:spAutoFit/>
+            </a:bodyPr>
+            <a:lstStyle/>
+            <a:p>
+              <a:pPr>
+                <a:lnSpc>
+                  <a:spcPct val="150000"/>
+                </a:lnSpc>
+              </a:pPr>
+              <a:r>
+                <a:rPr lang="zh-CN" altLang="en-US" sz="2000" dirty="0" smtClean="0">
+                  <a:solidFill>
+                    <a:schemeClr val="accent4">
+                      <a:lumMod val="75000"/>
+                    </a:schemeClr>
+                  </a:solidFill>
+                  <a:latin typeface="+mj-ea"/>
+                  <a:ea typeface="+mj-ea"/>
+                </a:rPr>
+                <a:t>相关技术介绍</a:t>
+              </a:r>
+              <a:endParaRPr lang="zh-CN" altLang="en-US" sz="2000" dirty="0">
+                <a:solidFill>
+                  <a:schemeClr val="accent4">
+                    <a:lumMod val="75000"/>
+                  </a:schemeClr>
+                </a:solidFill>
+                <a:latin typeface="+mj-ea"/>
+                <a:ea typeface="+mj-ea"/>
+              </a:endParaRPr>
+            </a:p>
+          </p:txBody>
+        </p:sp>
+      </p:grpSp>
+      <p:pic>
+        <p:nvPicPr>
+          <p:cNvPr id="15" name="图片 14"/>
+          <p:cNvPicPr>
+            <a:picLocks noChangeAspect="1"/>
+          </p:cNvPicPr>
+          <p:nvPr/>
+        </p:nvPicPr>
+        <p:blipFill>
+          <a:blip r:embed="rId4">
+            <a:extLst>
+              <a:ext uri="{28A0092B-C50C-407E-A947-70E740481C1C}">
+                <a14:useLocalDpi xmlns:a14="http://schemas.microsoft.com/office/drawing/2010/main" val="0"/>
+              </a:ext>
+            </a:extLst>
+          </a:blip>
+          <a:stretch>
+            <a:fillRect/>
+          </a:stretch>
+        </p:blipFill>
+        <p:spPr>
+          <a:xfrm>
+            <a:off x="731553" y="3073896"/>
+            <a:ext cx="1219200" cy="1219200"/>
+          </a:xfrm>
+          <a:prstGeom prst="rect">
+            <a:avLst/>
+          </a:prstGeom>
+        </p:spPr>
+      </p:pic>
+      <p:sp>
+        <p:nvSpPr>
+          <p:cNvPr id="16" name="文本框 15"/>
+          <p:cNvSpPr txBox="1"/>
+          <p:nvPr/>
+        </p:nvSpPr>
+        <p:spPr>
+          <a:xfrm>
+            <a:off x="2395430" y="2089879"/>
+            <a:ext cx="6373963" cy="3139321"/>
+          </a:xfrm>
+          <a:prstGeom prst="rect">
+            <a:avLst/>
+          </a:prstGeom>
+          <a:noFill/>
+        </p:spPr>
+        <p:txBody>
+          <a:bodyPr wrap="square" rtlCol="0">
+            <a:spAutoFit/>
+          </a:bodyPr>
+          <a:lstStyle/>
+          <a:p>
+            <a:pPr marL="285750" indent="-285750">
+              <a:lnSpc>
+                <a:spcPct val="150000"/>
+              </a:lnSpc>
+              <a:buFont typeface="Arial" panose="020B0604020202020204" pitchFamily="34" charset="0"/>
+              <a:buChar char="•"/>
+            </a:pPr>
+            <a:r>
+              <a:rPr lang="en-US" altLang="zh-CN" sz="2400" dirty="0"/>
+              <a:t>Bootstrap</a:t>
+            </a:r>
+            <a:r>
+              <a:rPr lang="zh-CN" altLang="zh-CN" sz="2400" dirty="0"/>
+              <a:t>是</a:t>
+            </a:r>
+            <a:r>
+              <a:rPr lang="en-US" altLang="zh-CN" sz="2400" dirty="0"/>
+              <a:t>HTML</a:t>
+            </a:r>
+            <a:r>
+              <a:rPr lang="zh-CN" altLang="zh-CN" sz="2400" dirty="0"/>
+              <a:t>、</a:t>
+            </a:r>
+            <a:r>
+              <a:rPr lang="en-US" altLang="zh-CN" sz="2400" dirty="0"/>
+              <a:t>CSS</a:t>
+            </a:r>
+            <a:r>
+              <a:rPr lang="zh-CN" altLang="zh-CN" sz="2400" dirty="0"/>
+              <a:t>、</a:t>
+            </a:r>
+            <a:r>
+              <a:rPr lang="en-US" altLang="zh-CN" sz="2400" dirty="0"/>
+              <a:t>JavaScript</a:t>
+            </a:r>
+            <a:r>
+              <a:rPr lang="zh-CN" altLang="zh-CN" sz="2400" dirty="0"/>
+              <a:t>的前端开发</a:t>
+            </a:r>
+            <a:r>
+              <a:rPr lang="zh-CN" altLang="zh-CN" sz="2400" dirty="0"/>
+              <a:t>框架</a:t>
+            </a:r>
+            <a:endParaRPr lang="en-US" altLang="zh-CN" sz="2400" dirty="0"/>
+          </a:p>
+          <a:p>
+            <a:pPr marL="285750" indent="-285750">
+              <a:lnSpc>
+                <a:spcPct val="150000"/>
+              </a:lnSpc>
+              <a:buFont typeface="Arial" panose="020B0604020202020204" pitchFamily="34" charset="0"/>
+              <a:buChar char="•"/>
+            </a:pPr>
+            <a:r>
+              <a:rPr lang="en-US" altLang="zh-CN" sz="2400" dirty="0"/>
+              <a:t>Bootstrap</a:t>
+            </a:r>
+            <a:r>
+              <a:rPr lang="zh-CN" altLang="zh-CN" sz="2400" dirty="0"/>
+              <a:t>以</a:t>
+            </a:r>
+            <a:r>
+              <a:rPr lang="en-US" altLang="zh-CN" sz="2400" dirty="0" err="1"/>
+              <a:t>JQuery</a:t>
+            </a:r>
+            <a:r>
+              <a:rPr lang="zh-CN" altLang="zh-CN" sz="2400" dirty="0"/>
+              <a:t>插件的形式提供了很多</a:t>
+            </a:r>
+            <a:r>
+              <a:rPr lang="en-US" altLang="zh-CN" sz="2400" dirty="0"/>
+              <a:t>JavaScript</a:t>
+            </a:r>
+            <a:r>
+              <a:rPr lang="zh-CN" altLang="zh-CN" sz="2400" dirty="0"/>
+              <a:t>组件，也扩展了现有组件的</a:t>
+            </a:r>
+            <a:r>
+              <a:rPr lang="zh-CN" altLang="zh-CN" sz="2400" dirty="0"/>
+              <a:t>功能</a:t>
+            </a:r>
+            <a:endParaRPr lang="en-US" altLang="zh-CN" sz="2400" dirty="0"/>
+          </a:p>
+          <a:p>
+            <a:pPr marL="285750" indent="-285750">
+              <a:lnSpc>
+                <a:spcPct val="150000"/>
+              </a:lnSpc>
+              <a:buFont typeface="Arial" panose="020B0604020202020204" pitchFamily="34" charset="0"/>
+              <a:buChar char="•"/>
+            </a:pPr>
+            <a:r>
+              <a:rPr lang="en-US" altLang="zh-CN" sz="2400" dirty="0" smtClean="0"/>
+              <a:t>Bootstrap</a:t>
+            </a:r>
+            <a:r>
+              <a:rPr lang="zh-CN" altLang="en-US" sz="2400" dirty="0" smtClean="0"/>
+              <a:t>使得</a:t>
+            </a:r>
+            <a:r>
+              <a:rPr lang="zh-CN" altLang="zh-CN" sz="2400" dirty="0" smtClean="0"/>
+              <a:t>实现</a:t>
+            </a:r>
+            <a:r>
+              <a:rPr lang="zh-CN" altLang="zh-CN" sz="2400" dirty="0"/>
+              <a:t>一个响应式网站更加</a:t>
+            </a:r>
+            <a:r>
+              <a:rPr lang="zh-CN" altLang="zh-CN" sz="2400" dirty="0"/>
+              <a:t>方便</a:t>
+            </a:r>
+            <a:endParaRPr lang="en-US" altLang="zh-CN" sz="2400" dirty="0"/>
+          </a:p>
+          <a:p>
+            <a:endParaRPr lang="zh-CN" altLang="en-US" dirty="0"/>
+          </a:p>
+        </p:txBody>
+      </p:sp>
     </p:spTree>
     <p:extLst>
       <p:ext uri="{BB962C8B-B14F-4D97-AF65-F5344CB8AC3E}">
@@ -6887,9 +9199,186 @@
   <p:timing>
     <p:tnLst>
       <p:par>
-        <p:cTn id="1" dur="indefinite" restart="never" nodeType="tmRoot"/>
+        <p:cTn id="1" dur="indefinite" restart="never" nodeType="tmRoot">
+          <p:childTnLst>
+            <p:seq concurrent="1" nextAc="seek">
+              <p:cTn id="2" dur="indefinite" nodeType="mainSeq">
+                <p:childTnLst>
+                  <p:par>
+                    <p:cTn id="3" fill="hold">
+                      <p:stCondLst>
+                        <p:cond delay="indefinite"/>
+                      </p:stCondLst>
+                      <p:childTnLst>
+                        <p:par>
+                          <p:cTn id="4" fill="hold">
+                            <p:stCondLst>
+                              <p:cond delay="0"/>
+                            </p:stCondLst>
+                            <p:childTnLst>
+                              <p:par>
+                                <p:cTn id="5" presetID="14" presetClass="entr" presetSubtype="10" fill="hold" nodeType="clickEffect">
+                                  <p:stCondLst>
+                                    <p:cond delay="0"/>
+                                  </p:stCondLst>
+                                  <p:childTnLst>
+                                    <p:set>
+                                      <p:cBhvr>
+                                        <p:cTn id="6" dur="1" fill="hold">
+                                          <p:stCondLst>
+                                            <p:cond delay="0"/>
+                                          </p:stCondLst>
+                                        </p:cTn>
+                                        <p:tgtEl>
+                                          <p:spTgt spid="10"/>
+                                        </p:tgtEl>
+                                        <p:attrNameLst>
+                                          <p:attrName>style.visibility</p:attrName>
+                                        </p:attrNameLst>
+                                      </p:cBhvr>
+                                      <p:to>
+                                        <p:strVal val="visible"/>
+                                      </p:to>
+                                    </p:set>
+                                    <p:animEffect transition="in" filter="randombar(horizontal)">
+                                      <p:cBhvr>
+                                        <p:cTn id="7" dur="500"/>
+                                        <p:tgtEl>
+                                          <p:spTgt spid="10"/>
+                                        </p:tgtEl>
+                                      </p:cBhvr>
+                                    </p:animEffect>
+                                  </p:childTnLst>
+                                </p:cTn>
+                              </p:par>
+                            </p:childTnLst>
+                          </p:cTn>
+                        </p:par>
+                      </p:childTnLst>
+                    </p:cTn>
+                  </p:par>
+                  <p:par>
+                    <p:cTn id="8" fill="hold">
+                      <p:stCondLst>
+                        <p:cond delay="indefinite"/>
+                      </p:stCondLst>
+                      <p:childTnLst>
+                        <p:par>
+                          <p:cTn id="9" fill="hold">
+                            <p:stCondLst>
+                              <p:cond delay="0"/>
+                            </p:stCondLst>
+                            <p:childTnLst>
+                              <p:par>
+                                <p:cTn id="10" presetID="5" presetClass="entr" presetSubtype="10" fill="hold" nodeType="clickEffect">
+                                  <p:stCondLst>
+                                    <p:cond delay="0"/>
+                                  </p:stCondLst>
+                                  <p:childTnLst>
+                                    <p:set>
+                                      <p:cBhvr>
+                                        <p:cTn id="11" dur="1" fill="hold">
+                                          <p:stCondLst>
+                                            <p:cond delay="0"/>
+                                          </p:stCondLst>
+                                        </p:cTn>
+                                        <p:tgtEl>
+                                          <p:spTgt spid="15"/>
+                                        </p:tgtEl>
+                                        <p:attrNameLst>
+                                          <p:attrName>style.visibility</p:attrName>
+                                        </p:attrNameLst>
+                                      </p:cBhvr>
+                                      <p:to>
+                                        <p:strVal val="visible"/>
+                                      </p:to>
+                                    </p:set>
+                                    <p:animEffect transition="in" filter="checkerboard(across)">
+                                      <p:cBhvr>
+                                        <p:cTn id="12" dur="500"/>
+                                        <p:tgtEl>
+                                          <p:spTgt spid="15"/>
+                                        </p:tgtEl>
+                                      </p:cBhvr>
+                                    </p:animEffect>
+                                  </p:childTnLst>
+                                </p:cTn>
+                              </p:par>
+                            </p:childTnLst>
+                          </p:cTn>
+                        </p:par>
+                      </p:childTnLst>
+                    </p:cTn>
+                  </p:par>
+                  <p:par>
+                    <p:cTn id="13" fill="hold">
+                      <p:stCondLst>
+                        <p:cond delay="indefinite"/>
+                      </p:stCondLst>
+                      <p:childTnLst>
+                        <p:par>
+                          <p:cTn id="14" fill="hold">
+                            <p:stCondLst>
+                              <p:cond delay="0"/>
+                            </p:stCondLst>
+                            <p:childTnLst>
+                              <p:par>
+                                <p:cTn id="15" presetID="1" presetClass="entr" presetSubtype="0" fill="hold" grpId="0" nodeType="clickEffect">
+                                  <p:stCondLst>
+                                    <p:cond delay="0"/>
+                                  </p:stCondLst>
+                                  <p:childTnLst>
+                                    <p:set>
+                                      <p:cBhvr>
+                                        <p:cTn id="16" dur="1" fill="hold">
+                                          <p:stCondLst>
+                                            <p:cond delay="0"/>
+                                          </p:stCondLst>
+                                        </p:cTn>
+                                        <p:tgtEl>
+                                          <p:spTgt spid="16"/>
+                                        </p:tgtEl>
+                                        <p:attrNameLst>
+                                          <p:attrName>style.visibility</p:attrName>
+                                        </p:attrNameLst>
+                                      </p:cBhvr>
+                                      <p:to>
+                                        <p:strVal val="visible"/>
+                                      </p:to>
+                                    </p:set>
+                                  </p:childTnLst>
+                                </p:cTn>
+                              </p:par>
+                            </p:childTnLst>
+                          </p:cTn>
+                        </p:par>
+                      </p:childTnLst>
+                    </p:cTn>
+                  </p:par>
+                </p:childTnLst>
+              </p:cTn>
+              <p:prevCondLst>
+                <p:cond evt="onPrev" delay="0">
+                  <p:tgtEl>
+                    <p:sldTgt/>
+                  </p:tgtEl>
+                </p:cond>
+              </p:prevCondLst>
+              <p:nextCondLst>
+                <p:cond evt="onNext" delay="0">
+                  <p:tgtEl>
+                    <p:sldTgt/>
+                  </p:tgtEl>
+                </p:cond>
+              </p:nextCondLst>
+            </p:seq>
+          </p:childTnLst>
+        </p:cTn>
       </p:par>
     </p:tnLst>
+    <p:bldLst>
+      <p:bldP spid="16" grpId="0"/>
+    </p:bldLst>
   </p:timing>
 </p:sld>
 </file>
@@ -7089,6 +9578,438 @@
           <a:effectLst/>
         </p:spPr>
       </p:pic>
+      <p:pic>
+        <p:nvPicPr>
+          <p:cNvPr id="3" name="图片 2"/>
+          <p:cNvPicPr>
+            <a:picLocks noChangeAspect="1"/>
+          </p:cNvPicPr>
+          <p:nvPr/>
+        </p:nvPicPr>
+        <p:blipFill>
+          <a:blip r:embed="rId4"/>
+          <a:stretch>
+            <a:fillRect/>
+          </a:stretch>
+        </p:blipFill>
+        <p:spPr>
+          <a:xfrm>
+            <a:off x="107504" y="2080157"/>
+            <a:ext cx="3905250" cy="847725"/>
+          </a:xfrm>
+          <a:prstGeom prst="rect">
+            <a:avLst/>
+          </a:prstGeom>
+        </p:spPr>
+      </p:pic>
+      <p:pic>
+        <p:nvPicPr>
+          <p:cNvPr id="4" name="图片 3"/>
+          <p:cNvPicPr>
+            <a:picLocks noChangeAspect="1"/>
+          </p:cNvPicPr>
+          <p:nvPr/>
+        </p:nvPicPr>
+        <p:blipFill>
+          <a:blip r:embed="rId5"/>
+          <a:stretch>
+            <a:fillRect/>
+          </a:stretch>
+        </p:blipFill>
+        <p:spPr>
+          <a:xfrm>
+            <a:off x="132606" y="3491061"/>
+            <a:ext cx="3143250" cy="2962275"/>
+          </a:xfrm>
+          <a:prstGeom prst="rect">
+            <a:avLst/>
+          </a:prstGeom>
+        </p:spPr>
+      </p:pic>
+      <p:sp>
+        <p:nvSpPr>
+          <p:cNvPr id="5" name="文本框 4"/>
+          <p:cNvSpPr txBox="1"/>
+          <p:nvPr/>
+        </p:nvSpPr>
+        <p:spPr>
+          <a:xfrm>
+            <a:off x="3856249" y="1224606"/>
+            <a:ext cx="5112568" cy="2585323"/>
+          </a:xfrm>
+          <a:prstGeom prst="rect">
+            <a:avLst/>
+          </a:prstGeom>
+          <a:noFill/>
+        </p:spPr>
+        <p:txBody>
+          <a:bodyPr wrap="square" rtlCol="0">
+            <a:spAutoFit/>
+          </a:bodyPr>
+          <a:lstStyle/>
+          <a:p>
+            <a:pPr marL="285750" indent="-285750">
+              <a:lnSpc>
+                <a:spcPct val="150000"/>
+              </a:lnSpc>
+              <a:buFont typeface="Arial" panose="020B0604020202020204" pitchFamily="34" charset="0"/>
+              <a:buChar char="•"/>
+            </a:pPr>
+            <a:r>
+              <a:rPr lang="zh-CN" altLang="zh-CN" dirty="0"/>
+              <a:t>用</a:t>
+            </a:r>
+            <a:r>
+              <a:rPr lang="en-US" altLang="zh-CN" dirty="0"/>
+              <a:t>python</a:t>
+            </a:r>
+            <a:r>
+              <a:rPr lang="zh-CN" altLang="zh-CN" dirty="0" smtClean="0"/>
+              <a:t>实现</a:t>
+            </a:r>
+            <a:r>
+              <a:rPr lang="zh-CN" altLang="en-US" dirty="0" smtClean="0"/>
+              <a:t>的</a:t>
+            </a:r>
+            <a:r>
+              <a:rPr lang="zh-CN" altLang="zh-CN" dirty="0" smtClean="0"/>
+              <a:t>开</a:t>
+            </a:r>
+            <a:r>
+              <a:rPr lang="zh-CN" altLang="zh-CN" dirty="0"/>
+              <a:t>源软件</a:t>
+            </a:r>
+            <a:r>
+              <a:rPr lang="zh-CN" altLang="zh-CN" dirty="0"/>
+              <a:t>，提供</a:t>
+            </a:r>
+            <a:r>
+              <a:rPr lang="en-US" altLang="zh-CN" dirty="0"/>
+              <a:t>SQL</a:t>
+            </a:r>
+            <a:r>
+              <a:rPr lang="zh-CN" altLang="zh-CN" dirty="0"/>
+              <a:t>工具包和对象关系映射的</a:t>
+            </a:r>
+            <a:r>
+              <a:rPr lang="zh-CN" altLang="zh-CN" dirty="0"/>
+              <a:t>服务</a:t>
+            </a:r>
+            <a:endParaRPr lang="en-US" altLang="zh-CN" dirty="0"/>
+          </a:p>
+          <a:p>
+            <a:pPr marL="285750" indent="-285750">
+              <a:lnSpc>
+                <a:spcPct val="150000"/>
+              </a:lnSpc>
+              <a:buFont typeface="Arial" panose="020B0604020202020204" pitchFamily="34" charset="0"/>
+              <a:buChar char="•"/>
+            </a:pPr>
+            <a:r>
+              <a:rPr lang="zh-CN" altLang="zh-CN" dirty="0" smtClean="0"/>
+              <a:t>实现</a:t>
+            </a:r>
+            <a:r>
+              <a:rPr lang="zh-CN" altLang="zh-CN" dirty="0"/>
+              <a:t>了对象关系映射（</a:t>
+            </a:r>
+            <a:r>
+              <a:rPr lang="en-US" altLang="zh-CN" dirty="0"/>
+              <a:t>ORM</a:t>
+            </a:r>
+            <a:r>
+              <a:rPr lang="zh-CN" altLang="zh-CN" dirty="0"/>
+              <a:t>）的服务，提供了数据映射</a:t>
+            </a:r>
+            <a:r>
+              <a:rPr lang="zh-CN" altLang="zh-CN" dirty="0" smtClean="0"/>
+              <a:t>模式</a:t>
+            </a:r>
+            <a:endParaRPr lang="en-US" altLang="zh-CN" dirty="0" smtClean="0"/>
+          </a:p>
+          <a:p>
+            <a:pPr marL="285750" indent="-285750">
+              <a:lnSpc>
+                <a:spcPct val="150000"/>
+              </a:lnSpc>
+              <a:buFont typeface="Arial" panose="020B0604020202020204" pitchFamily="34" charset="0"/>
+              <a:buChar char="•"/>
+            </a:pPr>
+            <a:r>
+              <a:rPr lang="en-US" altLang="zh-CN" dirty="0" smtClean="0"/>
+              <a:t>Flask-</a:t>
+            </a:r>
+            <a:r>
+              <a:rPr lang="en-US" altLang="zh-CN" dirty="0" err="1" smtClean="0"/>
+              <a:t>SQLAlchemy</a:t>
+            </a:r>
+            <a:r>
+              <a:rPr lang="zh-CN" altLang="zh-CN" dirty="0"/>
+              <a:t>给</a:t>
+            </a:r>
+            <a:r>
+              <a:rPr lang="en-US" altLang="zh-CN" dirty="0"/>
+              <a:t>Flask</a:t>
+            </a:r>
+            <a:r>
+              <a:rPr lang="zh-CN" altLang="zh-CN" dirty="0"/>
+              <a:t>框架提供了</a:t>
+            </a:r>
+            <a:r>
+              <a:rPr lang="en-US" altLang="zh-CN" dirty="0" err="1"/>
+              <a:t>SQLAlchemy</a:t>
+            </a:r>
+            <a:r>
+              <a:rPr lang="zh-CN" altLang="zh-CN" dirty="0"/>
+              <a:t>的支持</a:t>
+            </a:r>
+            <a:endParaRPr lang="zh-CN" altLang="en-US" dirty="0"/>
+          </a:p>
+        </p:txBody>
+      </p:sp>
+      <p:sp>
+        <p:nvSpPr>
+          <p:cNvPr id="10" name="文本框 9"/>
+          <p:cNvSpPr txBox="1"/>
+          <p:nvPr/>
+        </p:nvSpPr>
+        <p:spPr>
+          <a:xfrm>
+            <a:off x="3851920" y="4115487"/>
+            <a:ext cx="4964223" cy="2169825"/>
+          </a:xfrm>
+          <a:prstGeom prst="rect">
+            <a:avLst/>
+          </a:prstGeom>
+          <a:noFill/>
+        </p:spPr>
+        <p:txBody>
+          <a:bodyPr wrap="square" rtlCol="0">
+            <a:spAutoFit/>
+          </a:bodyPr>
+          <a:lstStyle/>
+          <a:p>
+            <a:pPr marL="285750" indent="-285750">
+              <a:lnSpc>
+                <a:spcPct val="150000"/>
+              </a:lnSpc>
+              <a:buFont typeface="Arial" panose="020B0604020202020204" pitchFamily="34" charset="0"/>
+              <a:buChar char="•"/>
+            </a:pPr>
+            <a:r>
+              <a:rPr lang="en-US" altLang="zh-CN" dirty="0" smtClean="0"/>
+              <a:t>Jinja2</a:t>
+            </a:r>
+            <a:r>
+              <a:rPr lang="zh-CN" altLang="en-US" dirty="0" smtClean="0"/>
+              <a:t>是</a:t>
+            </a:r>
+            <a:r>
+              <a:rPr lang="en-US" altLang="zh-CN" dirty="0" smtClean="0"/>
+              <a:t>python</a:t>
+            </a:r>
+            <a:r>
+              <a:rPr lang="zh-CN" altLang="zh-CN" dirty="0"/>
+              <a:t>模板</a:t>
+            </a:r>
+            <a:r>
+              <a:rPr lang="zh-CN" altLang="zh-CN" dirty="0"/>
+              <a:t>引擎</a:t>
+            </a:r>
+            <a:endParaRPr lang="en-US" altLang="zh-CN" dirty="0"/>
+          </a:p>
+          <a:p>
+            <a:pPr marL="285750" indent="-285750">
+              <a:lnSpc>
+                <a:spcPct val="150000"/>
+              </a:lnSpc>
+              <a:buFont typeface="Arial" panose="020B0604020202020204" pitchFamily="34" charset="0"/>
+              <a:buChar char="•"/>
+            </a:pPr>
+            <a:r>
+              <a:rPr lang="zh-CN" altLang="zh-CN" dirty="0"/>
+              <a:t>支持传参，模板继承，以及一些循环、判断</a:t>
+            </a:r>
+            <a:r>
+              <a:rPr lang="zh-CN" altLang="zh-CN" dirty="0"/>
+              <a:t>语句</a:t>
+            </a:r>
+            <a:endParaRPr lang="en-US" altLang="zh-CN" dirty="0"/>
+          </a:p>
+          <a:p>
+            <a:pPr marL="285750" indent="-285750">
+              <a:lnSpc>
+                <a:spcPct val="150000"/>
+              </a:lnSpc>
+              <a:buFont typeface="Arial" panose="020B0604020202020204" pitchFamily="34" charset="0"/>
+              <a:buChar char="•"/>
+            </a:pPr>
+            <a:r>
+              <a:rPr lang="zh-CN" altLang="zh-CN" dirty="0"/>
+              <a:t>不只是能够输出</a:t>
+            </a:r>
+            <a:r>
+              <a:rPr lang="en-US" altLang="zh-CN" dirty="0"/>
+              <a:t>HTML</a:t>
+            </a:r>
+            <a:r>
+              <a:rPr lang="zh-CN" altLang="zh-CN" dirty="0"/>
+              <a:t>或者</a:t>
+            </a:r>
+            <a:r>
+              <a:rPr lang="en-US" altLang="zh-CN" dirty="0"/>
+              <a:t>XML</a:t>
+            </a:r>
+            <a:r>
+              <a:rPr lang="zh-CN" altLang="zh-CN" dirty="0"/>
+              <a:t>文件，还能渲染出邮件、</a:t>
+            </a:r>
+            <a:r>
+              <a:rPr lang="en-US" altLang="zh-CN" dirty="0"/>
+              <a:t>CSS</a:t>
+            </a:r>
+            <a:r>
+              <a:rPr lang="zh-CN" altLang="zh-CN" dirty="0"/>
+              <a:t>、</a:t>
+            </a:r>
+            <a:r>
+              <a:rPr lang="en-US" altLang="zh-CN" dirty="0"/>
+              <a:t>JavaScript</a:t>
+            </a:r>
+            <a:r>
+              <a:rPr lang="zh-CN" altLang="zh-CN" dirty="0"/>
+              <a:t>文件</a:t>
+            </a:r>
+            <a:endParaRPr lang="zh-CN" altLang="en-US" dirty="0"/>
+          </a:p>
+        </p:txBody>
+      </p:sp>
+      <p:grpSp>
+        <p:nvGrpSpPr>
+          <p:cNvPr id="13" name="组合 12"/>
+          <p:cNvGrpSpPr/>
+          <p:nvPr/>
+        </p:nvGrpSpPr>
+        <p:grpSpPr>
+          <a:xfrm>
+            <a:off x="467544" y="908720"/>
+            <a:ext cx="2122981" cy="559768"/>
+            <a:chOff x="467544" y="908720"/>
+            <a:chExt cx="2122981" cy="559768"/>
+          </a:xfrm>
+        </p:grpSpPr>
+        <p:sp>
+          <p:nvSpPr>
+            <p:cNvPr id="14" name="同侧圆角矩形 13"/>
+            <p:cNvSpPr/>
+            <p:nvPr/>
+          </p:nvSpPr>
+          <p:spPr>
+            <a:xfrm rot="10800000">
+              <a:off x="467544" y="980724"/>
+              <a:ext cx="1747218" cy="487764"/>
+            </a:xfrm>
+            <a:prstGeom prst="round2SameRect">
+              <a:avLst/>
+            </a:prstGeom>
+            <a:solidFill>
+              <a:schemeClr val="accent4">
+                <a:lumMod val="20000"/>
+                <a:lumOff val="80000"/>
+              </a:schemeClr>
+            </a:solidFill>
+            <a:ln>
+              <a:solidFill>
+                <a:schemeClr val="accent4">
+                  <a:lumMod val="75000"/>
+                </a:schemeClr>
+              </a:solidFill>
+            </a:ln>
+            <a:effectLst>
+              <a:outerShdw blurRad="50800" dist="38100" dir="2700000" algn="tl" rotWithShape="0">
+                <a:prstClr val="black">
+                  <a:alpha val="40000"/>
+                </a:prstClr>
+              </a:outerShdw>
+            </a:effectLst>
+          </p:spPr>
+          <p:style>
+            <a:lnRef idx="2">
+              <a:schemeClr val="accent1">
+                <a:shade val="50000"/>
+              </a:schemeClr>
+            </a:lnRef>
+            <a:fillRef idx="1">
+              <a:schemeClr val="accent1"/>
+            </a:fillRef>
+            <a:effectRef idx="0">
+              <a:schemeClr val="accent1"/>
+            </a:effectRef>
+            <a:fontRef idx="minor">
+              <a:schemeClr val="lt1"/>
+            </a:fontRef>
+          </p:style>
+          <p:txBody>
+            <a:bodyPr rtlCol="0" anchor="ctr"/>
+            <a:lstStyle/>
+            <a:p>
+              <a:pPr algn="ctr"/>
+              <a:endParaRPr lang="zh-CN" altLang="en-US" dirty="0"/>
+            </a:p>
+          </p:txBody>
+        </p:sp>
+        <p:sp>
+          <p:nvSpPr>
+            <p:cNvPr id="15" name="TextBox 24"/>
+            <p:cNvSpPr txBox="1"/>
+            <p:nvPr/>
+          </p:nvSpPr>
+          <p:spPr>
+            <a:xfrm>
+              <a:off x="467544" y="908720"/>
+              <a:ext cx="2122981" cy="481863"/>
+            </a:xfrm>
+            <a:prstGeom prst="rect">
+              <a:avLst/>
+            </a:prstGeom>
+            <a:noFill/>
+          </p:spPr>
+          <p:txBody>
+            <a:bodyPr wrap="square" rtlCol="0">
+              <a:spAutoFit/>
+            </a:bodyPr>
+            <a:lstStyle/>
+            <a:p>
+              <a:pPr>
+                <a:lnSpc>
+                  <a:spcPct val="150000"/>
+                </a:lnSpc>
+              </a:pPr>
+              <a:r>
+                <a:rPr lang="zh-CN" altLang="en-US" sz="2000" dirty="0" smtClean="0">
+                  <a:solidFill>
+                    <a:schemeClr val="accent4">
+                      <a:lumMod val="75000"/>
+                    </a:schemeClr>
+                  </a:solidFill>
+                  <a:latin typeface="+mj-ea"/>
+                  <a:ea typeface="+mj-ea"/>
+                </a:rPr>
+                <a:t>相关技术介绍</a:t>
+              </a:r>
+              <a:endParaRPr lang="zh-CN" altLang="en-US" sz="2000" dirty="0">
+                <a:solidFill>
+                  <a:schemeClr val="accent4">
+                    <a:lumMod val="75000"/>
+                  </a:schemeClr>
+                </a:solidFill>
+                <a:latin typeface="+mj-ea"/>
+                <a:ea typeface="+mj-ea"/>
+              </a:endParaRPr>
+            </a:p>
+          </p:txBody>
+        </p:sp>
+      </p:grpSp>
     </p:spTree>
     <p:extLst>
       <p:ext uri="{BB962C8B-B14F-4D97-AF65-F5344CB8AC3E}">
@@ -7102,9 +10023,285 @@
   <p:timing>
     <p:tnLst>
       <p:par>
-        <p:cTn id="1" dur="indefinite" restart="never" nodeType="tmRoot"/>
+        <p:cTn id="1" dur="indefinite" restart="never" nodeType="tmRoot">
+          <p:childTnLst>
+            <p:seq concurrent="1" nextAc="seek">
+              <p:cTn id="2" dur="indefinite" nodeType="mainSeq">
+                <p:childTnLst>
+                  <p:par>
+                    <p:cTn id="3" fill="hold">
+                      <p:stCondLst>
+                        <p:cond delay="indefinite"/>
+                      </p:stCondLst>
+                      <p:childTnLst>
+                        <p:par>
+                          <p:cTn id="4" fill="hold">
+                            <p:stCondLst>
+                              <p:cond delay="0"/>
+                            </p:stCondLst>
+                            <p:childTnLst>
+                              <p:par>
+                                <p:cTn id="5" presetID="14" presetClass="entr" presetSubtype="10" fill="hold" nodeType="clickEffect">
+                                  <p:stCondLst>
+                                    <p:cond delay="0"/>
+                                  </p:stCondLst>
+                                  <p:childTnLst>
+                                    <p:set>
+                                      <p:cBhvr>
+                                        <p:cTn id="6" dur="1" fill="hold">
+                                          <p:stCondLst>
+                                            <p:cond delay="0"/>
+                                          </p:stCondLst>
+                                        </p:cTn>
+                                        <p:tgtEl>
+                                          <p:spTgt spid="13"/>
+                                        </p:tgtEl>
+                                        <p:attrNameLst>
+                                          <p:attrName>style.visibility</p:attrName>
+                                        </p:attrNameLst>
+                                      </p:cBhvr>
+                                      <p:to>
+                                        <p:strVal val="visible"/>
+                                      </p:to>
+                                    </p:set>
+                                    <p:animEffect transition="in" filter="randombar(horizontal)">
+                                      <p:cBhvr>
+                                        <p:cTn id="7" dur="500"/>
+                                        <p:tgtEl>
+                                          <p:spTgt spid="13"/>
+                                        </p:tgtEl>
+                                      </p:cBhvr>
+                                    </p:animEffect>
+                                  </p:childTnLst>
+                                </p:cTn>
+                              </p:par>
+                            </p:childTnLst>
+                          </p:cTn>
+                        </p:par>
+                      </p:childTnLst>
+                    </p:cTn>
+                  </p:par>
+                  <p:par>
+                    <p:cTn id="8" fill="hold">
+                      <p:stCondLst>
+                        <p:cond delay="indefinite"/>
+                      </p:stCondLst>
+                      <p:childTnLst>
+                        <p:par>
+                          <p:cTn id="9" fill="hold">
+                            <p:stCondLst>
+                              <p:cond delay="0"/>
+                            </p:stCondLst>
+                            <p:childTnLst>
+                              <p:par>
+                                <p:cTn id="10" presetID="9" presetClass="entr" presetSubtype="0" fill="hold" nodeType="clickEffect">
+                                  <p:stCondLst>
+                                    <p:cond delay="0"/>
+                                  </p:stCondLst>
+                                  <p:childTnLst>
+                                    <p:set>
+                                      <p:cBhvr>
+                                        <p:cTn id="11" dur="1" fill="hold">
+                                          <p:stCondLst>
+                                            <p:cond delay="0"/>
+                                          </p:stCondLst>
+                                        </p:cTn>
+                                        <p:tgtEl>
+                                          <p:spTgt spid="3"/>
+                                        </p:tgtEl>
+                                        <p:attrNameLst>
+                                          <p:attrName>style.visibility</p:attrName>
+                                        </p:attrNameLst>
+                                      </p:cBhvr>
+                                      <p:to>
+                                        <p:strVal val="visible"/>
+                                      </p:to>
+                                    </p:set>
+                                    <p:animEffect transition="in" filter="dissolve">
+                                      <p:cBhvr>
+                                        <p:cTn id="12" dur="500"/>
+                                        <p:tgtEl>
+                                          <p:spTgt spid="3"/>
+                                        </p:tgtEl>
+                                      </p:cBhvr>
+                                    </p:animEffect>
+                                  </p:childTnLst>
+                                </p:cTn>
+                              </p:par>
+                            </p:childTnLst>
+                          </p:cTn>
+                        </p:par>
+                      </p:childTnLst>
+                    </p:cTn>
+                  </p:par>
+                  <p:par>
+                    <p:cTn id="13" fill="hold">
+                      <p:stCondLst>
+                        <p:cond delay="indefinite"/>
+                      </p:stCondLst>
+                      <p:childTnLst>
+                        <p:par>
+                          <p:cTn id="14" fill="hold">
+                            <p:stCondLst>
+                              <p:cond delay="0"/>
+                            </p:stCondLst>
+                            <p:childTnLst>
+                              <p:par>
+                                <p:cTn id="15" presetID="1" presetClass="entr" presetSubtype="0" fill="hold" grpId="0" nodeType="clickEffect">
+                                  <p:stCondLst>
+                                    <p:cond delay="0"/>
+                                  </p:stCondLst>
+                                  <p:childTnLst>
+                                    <p:set>
+                                      <p:cBhvr>
+                                        <p:cTn id="16" dur="1" fill="hold">
+                                          <p:stCondLst>
+                                            <p:cond delay="0"/>
+                                          </p:stCondLst>
+                                        </p:cTn>
+                                        <p:tgtEl>
+                                          <p:spTgt spid="5"/>
+                                        </p:tgtEl>
+                                        <p:attrNameLst>
+                                          <p:attrName>style.visibility</p:attrName>
+                                        </p:attrNameLst>
+                                      </p:cBhvr>
+                                      <p:to>
+                                        <p:strVal val="visible"/>
+                                      </p:to>
+                                    </p:set>
+                                  </p:childTnLst>
+                                </p:cTn>
+                              </p:par>
+                            </p:childTnLst>
+                          </p:cTn>
+                        </p:par>
+                      </p:childTnLst>
+                    </p:cTn>
+                  </p:par>
+                  <p:par>
+                    <p:cTn id="17" fill="hold">
+                      <p:stCondLst>
+                        <p:cond delay="indefinite"/>
+                      </p:stCondLst>
+                      <p:childTnLst>
+                        <p:par>
+                          <p:cTn id="18" fill="hold">
+                            <p:stCondLst>
+                              <p:cond delay="0"/>
+                            </p:stCondLst>
+                            <p:childTnLst>
+                              <p:par>
+                                <p:cTn id="19" presetID="9" presetClass="entr" presetSubtype="0" fill="hold" nodeType="clickEffect">
+                                  <p:stCondLst>
+                                    <p:cond delay="0"/>
+                                  </p:stCondLst>
+                                  <p:childTnLst>
+                                    <p:set>
+                                      <p:cBhvr>
+                                        <p:cTn id="20" dur="1" fill="hold">
+                                          <p:stCondLst>
+                                            <p:cond delay="0"/>
+                                          </p:stCondLst>
+                                        </p:cTn>
+                                        <p:tgtEl>
+                                          <p:spTgt spid="4"/>
+                                        </p:tgtEl>
+                                        <p:attrNameLst>
+                                          <p:attrName>style.visibility</p:attrName>
+                                        </p:attrNameLst>
+                                      </p:cBhvr>
+                                      <p:to>
+                                        <p:strVal val="visible"/>
+                                      </p:to>
+                                    </p:set>
+                                    <p:animEffect transition="in" filter="dissolve">
+                                      <p:cBhvr>
+                                        <p:cTn id="21" dur="500"/>
+                                        <p:tgtEl>
+                                          <p:spTgt spid="4"/>
+                                        </p:tgtEl>
+                                      </p:cBhvr>
+                                    </p:animEffect>
+                                  </p:childTnLst>
+                                </p:cTn>
+                              </p:par>
+                            </p:childTnLst>
+                          </p:cTn>
+                        </p:par>
+                      </p:childTnLst>
+                    </p:cTn>
+                  </p:par>
+                  <p:par>
+                    <p:cTn id="22" fill="hold">
+                      <p:stCondLst>
+                        <p:cond delay="indefinite"/>
+                      </p:stCondLst>
+                      <p:childTnLst>
+                        <p:par>
+                          <p:cTn id="23" fill="hold">
+                            <p:stCondLst>
+                              <p:cond delay="0"/>
+                            </p:stCondLst>
+                            <p:childTnLst>
+                              <p:par>
+                                <p:cTn id="24" presetID="1" presetClass="entr" presetSubtype="0" fill="hold" grpId="0" nodeType="clickEffect">
+                                  <p:stCondLst>
+                                    <p:cond delay="0"/>
+                                  </p:stCondLst>
+                                  <p:childTnLst>
+                                    <p:set>
+                                      <p:cBhvr>
+                                        <p:cTn id="25" dur="1" fill="hold">
+                                          <p:stCondLst>
+                                            <p:cond delay="0"/>
+                                          </p:stCondLst>
+                                        </p:cTn>
+                                        <p:tgtEl>
+                                          <p:spTgt spid="10"/>
+                                        </p:tgtEl>
+                                        <p:attrNameLst>
+                                          <p:attrName>style.visibility</p:attrName>
+                                        </p:attrNameLst>
+                                      </p:cBhvr>
+                                      <p:to>
+                                        <p:strVal val="visible"/>
+                                      </p:to>
+                                    </p:set>
+                                  </p:childTnLst>
+                                </p:cTn>
+                              </p:par>
+                            </p:childTnLst>
+                          </p:cTn>
+                        </p:par>
+                      </p:childTnLst>
+                    </p:cTn>
+                  </p:par>
+                </p:childTnLst>
+              </p:cTn>
+              <p:prevCondLst>
+                <p:cond evt="onPrev" delay="0">
+                  <p:tgtEl>
+                    <p:sldTgt/>
+                  </p:tgtEl>
+                </p:cond>
+              </p:prevCondLst>
+              <p:nextCondLst>
+                <p:cond evt="onNext" delay="0">
+                  <p:tgtEl>
+                    <p:sldTgt/>
+                  </p:tgtEl>
+                </p:cond>
+              </p:nextCondLst>
+            </p:seq>
+          </p:childTnLst>
+        </p:cTn>
       </p:par>
     </p:tnLst>
+    <p:bldLst>
+      <p:bldP spid="5" grpId="0"/>
+      <p:bldP spid="10" grpId="0"/>
+    </p:bldLst>
   </p:timing>
 </p:sld>
 </file>
@@ -7304,6 +10501,132 @@
           <a:effectLst/>
         </p:spPr>
       </p:pic>
+      <p:grpSp>
+        <p:nvGrpSpPr>
+          <p:cNvPr id="6" name="组合 5"/>
+          <p:cNvGrpSpPr/>
+          <p:nvPr/>
+        </p:nvGrpSpPr>
+        <p:grpSpPr>
+          <a:xfrm>
+            <a:off x="467544" y="908720"/>
+            <a:ext cx="2122981" cy="559768"/>
+            <a:chOff x="467544" y="908720"/>
+            <a:chExt cx="2122981" cy="559768"/>
+          </a:xfrm>
+        </p:grpSpPr>
+        <p:sp>
+          <p:nvSpPr>
+            <p:cNvPr id="8" name="同侧圆角矩形 7"/>
+            <p:cNvSpPr/>
+            <p:nvPr/>
+          </p:nvSpPr>
+          <p:spPr>
+            <a:xfrm rot="10800000">
+              <a:off x="467544" y="980724"/>
+              <a:ext cx="1747218" cy="487764"/>
+            </a:xfrm>
+            <a:prstGeom prst="round2SameRect">
+              <a:avLst/>
+            </a:prstGeom>
+            <a:solidFill>
+              <a:schemeClr val="accent4">
+                <a:lumMod val="20000"/>
+                <a:lumOff val="80000"/>
+              </a:schemeClr>
+            </a:solidFill>
+            <a:ln>
+              <a:solidFill>
+                <a:schemeClr val="accent4">
+                  <a:lumMod val="75000"/>
+                </a:schemeClr>
+              </a:solidFill>
+            </a:ln>
+            <a:effectLst>
+              <a:outerShdw blurRad="50800" dist="38100" dir="2700000" algn="tl" rotWithShape="0">
+                <a:prstClr val="black">
+                  <a:alpha val="40000"/>
+                </a:prstClr>
+              </a:outerShdw>
+            </a:effectLst>
+          </p:spPr>
+          <p:style>
+            <a:lnRef idx="2">
+              <a:schemeClr val="accent1">
+                <a:shade val="50000"/>
+              </a:schemeClr>
+            </a:lnRef>
+            <a:fillRef idx="1">
+              <a:schemeClr val="accent1"/>
+            </a:fillRef>
+            <a:effectRef idx="0">
+              <a:schemeClr val="accent1"/>
+            </a:effectRef>
+            <a:fontRef idx="minor">
+              <a:schemeClr val="lt1"/>
+            </a:fontRef>
+          </p:style>
+          <p:txBody>
+            <a:bodyPr rtlCol="0" anchor="ctr"/>
+            <a:lstStyle/>
+            <a:p>
+              <a:pPr algn="ctr"/>
+              <a:endParaRPr lang="zh-CN" altLang="en-US" dirty="0"/>
+            </a:p>
+          </p:txBody>
+        </p:sp>
+        <p:sp>
+          <p:nvSpPr>
+            <p:cNvPr id="9" name="TextBox 24"/>
+            <p:cNvSpPr txBox="1"/>
+            <p:nvPr/>
+          </p:nvSpPr>
+          <p:spPr>
+            <a:xfrm>
+              <a:off x="467544" y="908720"/>
+              <a:ext cx="2122981" cy="481863"/>
+            </a:xfrm>
+            <a:prstGeom prst="rect">
+              <a:avLst/>
+            </a:prstGeom>
+            <a:noFill/>
+          </p:spPr>
+          <p:txBody>
+            <a:bodyPr wrap="square" rtlCol="0">
+              <a:spAutoFit/>
+            </a:bodyPr>
+            <a:lstStyle/>
+            <a:p>
+              <a:pPr>
+                <a:lnSpc>
+                  <a:spcPct val="150000"/>
+                </a:lnSpc>
+              </a:pPr>
+              <a:r>
+                <a:rPr lang="zh-CN" altLang="en-US" sz="2000" dirty="0" smtClean="0">
+                  <a:solidFill>
+                    <a:schemeClr val="accent4">
+                      <a:lumMod val="75000"/>
+                    </a:schemeClr>
+                  </a:solidFill>
+                  <a:latin typeface="+mj-ea"/>
+                  <a:ea typeface="+mj-ea"/>
+                </a:rPr>
+                <a:t>项目背景介绍</a:t>
+              </a:r>
+              <a:endParaRPr lang="zh-CN" altLang="en-US" sz="2000" dirty="0">
+                <a:solidFill>
+                  <a:schemeClr val="accent4">
+                    <a:lumMod val="75000"/>
+                  </a:schemeClr>
+                </a:solidFill>
+                <a:latin typeface="+mj-ea"/>
+                <a:ea typeface="+mj-ea"/>
+              </a:endParaRPr>
+            </a:p>
+          </p:txBody>
+        </p:sp>
+      </p:grpSp>
     </p:spTree>
     <p:extLst>
       <p:ext uri="{BB962C8B-B14F-4D97-AF65-F5344CB8AC3E}">
@@ -7317,7 +10640,83 @@
   <p:timing>
     <p:tnLst>
       <p:par>
-        <p:cTn id="1" dur="indefinite" restart="never" nodeType="tmRoot"/>
+        <p:cTn id="1" dur="indefinite" restart="never" nodeType="tmRoot">
+          <p:childTnLst>
+            <p:seq concurrent="1" nextAc="seek">
+              <p:cTn id="2" dur="indefinite" nodeType="mainSeq">
+                <p:childTnLst>
+                  <p:par>
+                    <p:cTn id="3" fill="hold">
+                      <p:stCondLst>
+                        <p:cond delay="indefinite"/>
+                      </p:stCondLst>
+                      <p:childTnLst>
+                        <p:par>
+                          <p:cTn id="4" fill="hold">
+                            <p:stCondLst>
+                              <p:cond delay="0"/>
+                            </p:stCondLst>
+                            <p:childTnLst>
+                              <p:par>
+                                <p:cTn id="5" presetID="14" presetClass="entr" presetSubtype="10" fill="hold" nodeType="clickEffect">
+                                  <p:stCondLst>
+                                    <p:cond delay="0"/>
+                                  </p:stCondLst>
+                                  <p:childTnLst>
+                                    <p:set>
+                                      <p:cBhvr>
+                                        <p:cTn id="6" dur="1" fill="hold">
+                                          <p:stCondLst>
+                                            <p:cond delay="0"/>
+                                          </p:stCondLst>
+                                        </p:cTn>
+                                        <p:tgtEl>
+                                          <p:spTgt spid="6"/>
+                                        </p:tgtEl>
+                                        <p:attrNameLst>
+                                          <p:attrName>style.visibility</p:attrName>
+                                        </p:attrNameLst>
+                                      </p:cBhvr>
+                                      <p:to>
+                                        <p:strVal val="visible"/>
+                                      </p:to>
+                                    </p:set>
+                                    <p:animEffect transition="in" filter="randombar(horizontal)">
+                                      <p:cBhvr>
+                                        <p:cTn id="7" dur="500"/>
+                                        <p:tgtEl>
+                                          <p:spTgt spid="6"/>
+                                        </p:tgtEl>
+                                      </p:cBhvr>
+                                    </p:animEffect>
+                                  </p:childTnLst>
+                                </p:cTn>
+                              </p:par>
+                            </p:childTnLst>
+                          </p:cTn>
+                        </p:par>
+                      </p:childTnLst>
+                    </p:cTn>
+                  </p:par>
+                </p:childTnLst>
+              </p:cTn>
+              <p:prevCondLst>
+                <p:cond evt="onPrev" delay="0">
+                  <p:tgtEl>
+                    <p:sldTgt/>
+                  </p:tgtEl>
+                </p:cond>
+              </p:prevCondLst>
+              <p:nextCondLst>
+                <p:cond evt="onNext" delay="0">
+                  <p:tgtEl>
+                    <p:sldTgt/>
+                  </p:tgtEl>
+                </p:cond>
+              </p:nextCondLst>
+            </p:seq>
+          </p:childTnLst>
+        </p:cTn>
       </p:par>
     </p:tnLst>
   </p:timing>
